--- a/PROJECT 2023/JUNKS/EE POWER POINT.pptx
+++ b/PROJECT 2023/JUNKS/EE POWER POINT.pptx
@@ -10,9 +10,12 @@
     <p:sldId id="260" r:id="rId4"/>
     <p:sldId id="258" r:id="rId5"/>
     <p:sldId id="262" r:id="rId6"/>
-    <p:sldId id="280" r:id="rId7"/>
-    <p:sldId id="278" r:id="rId8"/>
-    <p:sldId id="275" r:id="rId9"/>
+    <p:sldId id="281" r:id="rId7"/>
+    <p:sldId id="282" r:id="rId8"/>
+    <p:sldId id="280" r:id="rId9"/>
+    <p:sldId id="283" r:id="rId10"/>
+    <p:sldId id="278" r:id="rId11"/>
+    <p:sldId id="275" r:id="rId12"/>
   </p:sldIdLst>
   <p:sldSz cx="12192000" cy="6858000"/>
   <p:notesSz cx="6797675" cy="9926638"/>
@@ -346,7 +349,7 @@
             <a:fld id="{B61BEF0D-F0BB-DE4B-95CE-6DB70DBA9567}" type="datetimeFigureOut">
               <a:rPr lang="en-US" smtClean="0"/>
               <a:pPr/>
-              <a:t>6/2/2023</a:t>
+              <a:t>10/3/2023</a:t>
             </a:fld>
             <a:endParaRPr lang="en-US" dirty="0"/>
           </a:p>
@@ -559,7 +562,7 @@
             <a:fld id="{B61BEF0D-F0BB-DE4B-95CE-6DB70DBA9567}" type="datetimeFigureOut">
               <a:rPr lang="en-US" smtClean="0"/>
               <a:pPr/>
-              <a:t>6/2/2023</a:t>
+              <a:t>10/3/2023</a:t>
             </a:fld>
             <a:endParaRPr lang="en-US" dirty="0"/>
           </a:p>
@@ -820,7 +823,7 @@
             <a:fld id="{B61BEF0D-F0BB-DE4B-95CE-6DB70DBA9567}" type="datetimeFigureOut">
               <a:rPr lang="en-US" smtClean="0"/>
               <a:pPr/>
-              <a:t>6/2/2023</a:t>
+              <a:t>10/3/2023</a:t>
             </a:fld>
             <a:endParaRPr lang="en-US" dirty="0"/>
           </a:p>
@@ -999,7 +1002,7 @@
             <a:fld id="{B61BEF0D-F0BB-DE4B-95CE-6DB70DBA9567}" type="datetimeFigureOut">
               <a:rPr lang="en-US" smtClean="0"/>
               <a:pPr/>
-              <a:t>6/2/2023</a:t>
+              <a:t>10/3/2023</a:t>
             </a:fld>
             <a:endParaRPr lang="en-US" dirty="0"/>
           </a:p>
@@ -1347,7 +1350,7 @@
             <a:fld id="{B61BEF0D-F0BB-DE4B-95CE-6DB70DBA9567}" type="datetimeFigureOut">
               <a:rPr lang="en-US" smtClean="0"/>
               <a:pPr/>
-              <a:t>6/2/2023</a:t>
+              <a:t>10/3/2023</a:t>
             </a:fld>
             <a:endParaRPr lang="en-US" dirty="0"/>
           </a:p>
@@ -1627,7 +1630,7 @@
             <a:fld id="{B61BEF0D-F0BB-DE4B-95CE-6DB70DBA9567}" type="datetimeFigureOut">
               <a:rPr lang="en-US" smtClean="0"/>
               <a:pPr/>
-              <a:t>6/2/2023</a:t>
+              <a:t>10/3/2023</a:t>
             </a:fld>
             <a:endParaRPr lang="en-US" dirty="0"/>
           </a:p>
@@ -2011,7 +2014,7 @@
             <a:fld id="{B61BEF0D-F0BB-DE4B-95CE-6DB70DBA9567}" type="datetimeFigureOut">
               <a:rPr lang="en-US" smtClean="0"/>
               <a:pPr/>
-              <a:t>6/2/2023</a:t>
+              <a:t>10/3/2023</a:t>
             </a:fld>
             <a:endParaRPr lang="en-US" dirty="0"/>
           </a:p>
@@ -2134,7 +2137,7 @@
             <a:fld id="{B61BEF0D-F0BB-DE4B-95CE-6DB70DBA9567}" type="datetimeFigureOut">
               <a:rPr lang="en-US" smtClean="0"/>
               <a:pPr/>
-              <a:t>6/2/2023</a:t>
+              <a:t>10/3/2023</a:t>
             </a:fld>
             <a:endParaRPr lang="en-US" dirty="0"/>
           </a:p>
@@ -2310,7 +2313,7 @@
             <a:fld id="{B61BEF0D-F0BB-DE4B-95CE-6DB70DBA9567}" type="datetimeFigureOut">
               <a:rPr lang="en-US" smtClean="0"/>
               <a:pPr/>
-              <a:t>6/2/2023</a:t>
+              <a:t>10/3/2023</a:t>
             </a:fld>
             <a:endParaRPr lang="en-US" dirty="0"/>
           </a:p>
@@ -2669,7 +2672,7 @@
             <a:fld id="{B61BEF0D-F0BB-DE4B-95CE-6DB70DBA9567}" type="datetimeFigureOut">
               <a:rPr lang="en-US" smtClean="0"/>
               <a:pPr/>
-              <a:t>6/2/2023</a:t>
+              <a:t>10/3/2023</a:t>
             </a:fld>
             <a:endParaRPr lang="en-US" dirty="0"/>
           </a:p>
@@ -3056,7 +3059,7 @@
             <a:fld id="{B61BEF0D-F0BB-DE4B-95CE-6DB70DBA9567}" type="datetimeFigureOut">
               <a:rPr lang="en-US" smtClean="0"/>
               <a:pPr/>
-              <a:t>6/2/2023</a:t>
+              <a:t>10/3/2023</a:t>
             </a:fld>
             <a:endParaRPr lang="en-US" dirty="0"/>
           </a:p>
@@ -3348,7 +3351,7 @@
             <a:fld id="{B61BEF0D-F0BB-DE4B-95CE-6DB70DBA9567}" type="datetimeFigureOut">
               <a:rPr lang="en-US" smtClean="0"/>
               <a:pPr/>
-              <a:t>6/2/2023</a:t>
+              <a:t>10/3/2023</a:t>
             </a:fld>
             <a:endParaRPr lang="en-US" dirty="0"/>
           </a:p>
@@ -3913,7 +3916,7 @@
                 <a:latin typeface="Times New Roman" panose="02020603050405020304" pitchFamily="18" charset="0"/>
                 <a:cs typeface="Times New Roman" panose="02020603050405020304" pitchFamily="18" charset="0"/>
               </a:rPr>
-              <a:t>CONSTRUCTION OF A DIGITAL VARIABLE POWER SUPPLY (1 to 30 volt) WITH USB PORT</a:t>
+              <a:t>SIMULATION AND IMPLEMENTATION OF VARIABLE POWER SUPPLY</a:t>
             </a:r>
             <a:br>
               <a:rPr lang="en-GB" sz="2400" dirty="0">
@@ -3955,17 +3958,30 @@
               <a:t>  </a:t>
             </a:r>
             <a:br>
-              <a:rPr lang="en-GB" sz="2400" dirty="0">
+              <a:rPr lang="en-GB" sz="2400">
                 <a:latin typeface="Times New Roman" panose="02020603050405020304" pitchFamily="18" charset="0"/>
                 <a:cs typeface="Times New Roman" panose="02020603050405020304" pitchFamily="18" charset="0"/>
               </a:rPr>
             </a:br>
+            <a:br>
+              <a:rPr lang="en-GB" sz="2400">
+                <a:latin typeface="Times New Roman" panose="02020603050405020304" pitchFamily="18" charset="0"/>
+                <a:cs typeface="Times New Roman" panose="02020603050405020304" pitchFamily="18" charset="0"/>
+              </a:rPr>
+            </a:br>
+            <a:r>
+              <a:rPr lang="en-US" sz="2400" b="1" cap="all">
+                <a:latin typeface="Times New Roman" panose="02020603050405020304" pitchFamily="18" charset="0"/>
+                <a:cs typeface="Times New Roman" panose="02020603050405020304" pitchFamily="18" charset="0"/>
+              </a:rPr>
+              <a:t>presented </a:t>
+            </a:r>
             <a:r>
               <a:rPr lang="en-US" sz="2400" b="1" cap="all" dirty="0">
                 <a:latin typeface="Times New Roman" panose="02020603050405020304" pitchFamily="18" charset="0"/>
                 <a:cs typeface="Times New Roman" panose="02020603050405020304" pitchFamily="18" charset="0"/>
               </a:rPr>
-              <a:t>presented by</a:t>
+              <a:t>by</a:t>
             </a:r>
             <a:br>
               <a:rPr lang="en-GB" sz="2400" dirty="0">
@@ -4079,7 +4095,7 @@
                 <a:latin typeface="Times New Roman" panose="02020603050405020304" pitchFamily="18" charset="0"/>
                 <a:cs typeface="Times New Roman" panose="02020603050405020304" pitchFamily="18" charset="0"/>
               </a:rPr>
-              <a:t>A PROPOSAL SUBMITTED to the department of applied physics, federal polytechnic, </a:t>
+              <a:t>A PROJECT SUBMITTED to the department of applied physics, federal polytechnic, </a:t>
             </a:r>
             <a:r>
               <a:rPr lang="en-US" sz="2400" b="1" cap="all" dirty="0" err="1">
@@ -4201,18 +4217,11 @@
               </a:rPr>
             </a:br>
             <a:r>
-              <a:rPr lang="en-US" sz="2400" b="1" cap="all" dirty="0" err="1">
-                <a:latin typeface="Times New Roman" panose="02020603050405020304" pitchFamily="18" charset="0"/>
-                <a:cs typeface="Times New Roman" panose="02020603050405020304" pitchFamily="18" charset="0"/>
-              </a:rPr>
-              <a:t>june</a:t>
-            </a:r>
-            <a:r>
               <a:rPr lang="en-US" sz="2400" b="1" cap="all" dirty="0">
                 <a:latin typeface="Times New Roman" panose="02020603050405020304" pitchFamily="18" charset="0"/>
                 <a:cs typeface="Times New Roman" panose="02020603050405020304" pitchFamily="18" charset="0"/>
               </a:rPr>
-              <a:t>, 2023</a:t>
+              <a:t>OCTOBER, 2023</a:t>
             </a:r>
             <a:endParaRPr lang="en-GB" sz="2400" dirty="0">
               <a:latin typeface="Times New Roman" panose="02020603050405020304" pitchFamily="18" charset="0"/>
@@ -4225,6 +4234,380 @@
     <p:extLst>
       <p:ext uri="{BB962C8B-B14F-4D97-AF65-F5344CB8AC3E}">
         <p14:creationId xmlns:p14="http://schemas.microsoft.com/office/powerpoint/2010/main" val="1844999730"/>
+      </p:ext>
+    </p:extLst>
+  </p:cSld>
+  <p:clrMapOvr>
+    <a:masterClrMapping/>
+  </p:clrMapOvr>
+  <p:transition spd="slow">
+    <p:push dir="u"/>
+  </p:transition>
+</p:sld>
+</file>
+
+<file path=ppt/slides/slide10.xml><?xml version="1.0" encoding="utf-8"?>
+<p:sld xmlns:a="http://schemas.openxmlformats.org/drawingml/2006/main" xmlns:r="http://schemas.openxmlformats.org/officeDocument/2006/relationships" xmlns:p="http://schemas.openxmlformats.org/presentationml/2006/main">
+  <p:cSld>
+    <p:spTree>
+      <p:nvGrpSpPr>
+        <p:cNvPr id="1" name=""/>
+        <p:cNvGrpSpPr/>
+        <p:nvPr/>
+      </p:nvGrpSpPr>
+      <p:grpSpPr>
+        <a:xfrm>
+          <a:off x="0" y="0"/>
+          <a:ext cx="0" cy="0"/>
+          <a:chOff x="0" y="0"/>
+          <a:chExt cx="0" cy="0"/>
+        </a:xfrm>
+      </p:grpSpPr>
+      <p:sp>
+        <p:nvSpPr>
+          <p:cNvPr id="5" name="Title 1">
+            <a:extLst>
+              <a:ext uri="{FF2B5EF4-FFF2-40B4-BE49-F238E27FC236}">
+                <a16:creationId xmlns:a16="http://schemas.microsoft.com/office/drawing/2014/main" id="{117B8DEA-7F75-46CA-9AAC-7870EB8A79BD}"/>
+              </a:ext>
+            </a:extLst>
+          </p:cNvPr>
+          <p:cNvSpPr>
+            <a:spLocks noGrp="1"/>
+          </p:cNvSpPr>
+          <p:nvPr>
+            <p:ph type="title"/>
+          </p:nvPr>
+        </p:nvSpPr>
+        <p:spPr>
+          <a:xfrm>
+            <a:off x="838200" y="409073"/>
+            <a:ext cx="10972800" cy="518975"/>
+          </a:xfrm>
+        </p:spPr>
+        <p:txBody>
+          <a:bodyPr>
+            <a:normAutofit fontScale="90000"/>
+          </a:bodyPr>
+          <a:lstStyle/>
+          <a:p>
+            <a:pPr algn="ctr"/>
+            <a:r>
+              <a:rPr lang="en-GB" b="1" dirty="0">
+                <a:solidFill>
+                  <a:schemeClr val="tx1"/>
+                </a:solidFill>
+                <a:latin typeface="Times New Roman" panose="02020603050405020304" pitchFamily="18" charset="0"/>
+                <a:cs typeface="Times New Roman" panose="02020603050405020304" pitchFamily="18" charset="0"/>
+              </a:rPr>
+              <a:t>REFERENCES</a:t>
+            </a:r>
+          </a:p>
+        </p:txBody>
+      </p:sp>
+      <p:sp>
+        <p:nvSpPr>
+          <p:cNvPr id="6" name="Content Placeholder 2">
+            <a:extLst>
+              <a:ext uri="{FF2B5EF4-FFF2-40B4-BE49-F238E27FC236}">
+                <a16:creationId xmlns:a16="http://schemas.microsoft.com/office/drawing/2014/main" id="{DBA5E16C-CB07-4960-A3E7-AAF1787C7343}"/>
+              </a:ext>
+            </a:extLst>
+          </p:cNvPr>
+          <p:cNvSpPr>
+            <a:spLocks noGrp="1"/>
+          </p:cNvSpPr>
+          <p:nvPr>
+            <p:ph idx="1"/>
+          </p:nvPr>
+        </p:nvSpPr>
+        <p:spPr>
+          <a:xfrm>
+            <a:off x="708338" y="928048"/>
+            <a:ext cx="10972800" cy="5418161"/>
+          </a:xfrm>
+          <a:solidFill>
+            <a:schemeClr val="bg1"/>
+          </a:solidFill>
+        </p:spPr>
+        <p:txBody>
+          <a:bodyPr>
+            <a:noAutofit/>
+          </a:bodyPr>
+          <a:lstStyle/>
+          <a:p>
+            <a:pPr marL="463550" indent="-463550">
+              <a:buNone/>
+            </a:pPr>
+            <a:r>
+              <a:rPr lang="en-US" sz="2400" dirty="0" err="1">
+                <a:solidFill>
+                  <a:schemeClr val="tx1"/>
+                </a:solidFill>
+                <a:latin typeface="Times" panose="02020603050405020304" pitchFamily="18" charset="0"/>
+              </a:rPr>
+              <a:t>Adeife</a:t>
+            </a:r>
+            <a:r>
+              <a:rPr lang="en-US" sz="2400" dirty="0">
+                <a:solidFill>
+                  <a:schemeClr val="tx1"/>
+                </a:solidFill>
+                <a:latin typeface="Times" panose="02020603050405020304" pitchFamily="18" charset="0"/>
+              </a:rPr>
+              <a:t> T.O &amp; </a:t>
+            </a:r>
+            <a:r>
+              <a:rPr lang="en-US" sz="2400" dirty="0" err="1">
+                <a:solidFill>
+                  <a:schemeClr val="tx1"/>
+                </a:solidFill>
+                <a:latin typeface="Times" panose="02020603050405020304" pitchFamily="18" charset="0"/>
+              </a:rPr>
+              <a:t>Osemekillali</a:t>
+            </a:r>
+            <a:r>
+              <a:rPr lang="en-US" sz="2400" dirty="0">
+                <a:solidFill>
+                  <a:schemeClr val="tx1"/>
+                </a:solidFill>
+                <a:latin typeface="Times" panose="02020603050405020304" pitchFamily="18" charset="0"/>
+              </a:rPr>
+              <a:t>, O. (2020). </a:t>
+            </a:r>
+            <a:r>
+              <a:rPr lang="en-US" sz="2400" i="1" dirty="0">
+                <a:solidFill>
+                  <a:schemeClr val="tx1"/>
+                </a:solidFill>
+                <a:latin typeface="Times" panose="02020603050405020304" pitchFamily="18" charset="0"/>
+              </a:rPr>
+              <a:t>Electronic Engineering Fundamental </a:t>
+            </a:r>
+            <a:r>
+              <a:rPr lang="en-US" sz="2400" i="1" dirty="0" err="1">
+                <a:solidFill>
+                  <a:schemeClr val="tx1"/>
+                </a:solidFill>
+                <a:latin typeface="Times" panose="02020603050405020304" pitchFamily="18" charset="0"/>
+              </a:rPr>
+              <a:t>voll</a:t>
+            </a:r>
+            <a:r>
+              <a:rPr lang="en-US" sz="2400" dirty="0">
+                <a:solidFill>
+                  <a:schemeClr val="tx1"/>
+                </a:solidFill>
+                <a:latin typeface="Times" panose="02020603050405020304" pitchFamily="18" charset="0"/>
+              </a:rPr>
+              <a:t>. Ademola printing press, Osogbo Osun State Nig. </a:t>
+            </a:r>
+            <a:endParaRPr lang="en-GB" sz="2400" dirty="0">
+              <a:solidFill>
+                <a:schemeClr val="tx1"/>
+              </a:solidFill>
+              <a:latin typeface="Times" panose="02020603050405020304" pitchFamily="18" charset="0"/>
+            </a:endParaRPr>
+          </a:p>
+          <a:p>
+            <a:pPr marL="463550" indent="-463550">
+              <a:buNone/>
+            </a:pPr>
+            <a:r>
+              <a:rPr lang="en-US" sz="2400" dirty="0" err="1">
+                <a:solidFill>
+                  <a:schemeClr val="tx1"/>
+                </a:solidFill>
+                <a:latin typeface="Times" panose="02020603050405020304" pitchFamily="18" charset="0"/>
+              </a:rPr>
+              <a:t>Amadi</a:t>
+            </a:r>
+            <a:r>
+              <a:rPr lang="en-US" sz="2400" dirty="0">
+                <a:solidFill>
+                  <a:schemeClr val="tx1"/>
+                </a:solidFill>
+                <a:latin typeface="Times" panose="02020603050405020304" pitchFamily="18" charset="0"/>
+              </a:rPr>
+              <a:t>, B. (2020). Seminar report presented to the department of Applied Physics, Taraba State University, </a:t>
+            </a:r>
+            <a:r>
+              <a:rPr lang="en-US" sz="2400" dirty="0" err="1">
+                <a:solidFill>
+                  <a:schemeClr val="tx1"/>
+                </a:solidFill>
+                <a:latin typeface="Times" panose="02020603050405020304" pitchFamily="18" charset="0"/>
+              </a:rPr>
+              <a:t>Jalingo</a:t>
+            </a:r>
+            <a:r>
+              <a:rPr lang="en-US" sz="2400" dirty="0">
+                <a:solidFill>
+                  <a:schemeClr val="tx1"/>
+                </a:solidFill>
+                <a:latin typeface="Times" panose="02020603050405020304" pitchFamily="18" charset="0"/>
+              </a:rPr>
+              <a:t>.</a:t>
+            </a:r>
+            <a:endParaRPr lang="en-GB" sz="2400" dirty="0">
+              <a:solidFill>
+                <a:schemeClr val="tx1"/>
+              </a:solidFill>
+              <a:latin typeface="Times" panose="02020603050405020304" pitchFamily="18" charset="0"/>
+            </a:endParaRPr>
+          </a:p>
+          <a:p>
+            <a:pPr marL="463550" indent="-463550">
+              <a:buNone/>
+            </a:pPr>
+            <a:r>
+              <a:rPr lang="en-US" sz="2400" dirty="0">
+                <a:solidFill>
+                  <a:schemeClr val="tx1"/>
+                </a:solidFill>
+                <a:latin typeface="Times" panose="02020603050405020304" pitchFamily="18" charset="0"/>
+              </a:rPr>
+              <a:t>Benjamin, M. (2020). D.C. Power supply. </a:t>
+            </a:r>
+            <a:r>
+              <a:rPr lang="en-US" sz="2400" i="1" dirty="0">
+                <a:solidFill>
+                  <a:schemeClr val="tx1"/>
+                </a:solidFill>
+                <a:latin typeface="Times" panose="02020603050405020304" pitchFamily="18" charset="0"/>
+              </a:rPr>
+              <a:t>Engineering Journal of Innovation research in electronic instrumentation and control, 13</a:t>
+            </a:r>
+            <a:r>
+              <a:rPr lang="en-US" sz="2400" dirty="0">
+                <a:solidFill>
+                  <a:schemeClr val="tx1"/>
+                </a:solidFill>
+                <a:latin typeface="Times" panose="02020603050405020304" pitchFamily="18" charset="0"/>
+              </a:rPr>
+              <a:t>(2), 33-41.</a:t>
+            </a:r>
+            <a:endParaRPr lang="en-GB" sz="2400" dirty="0">
+              <a:solidFill>
+                <a:schemeClr val="tx1"/>
+              </a:solidFill>
+              <a:latin typeface="Times" panose="02020603050405020304" pitchFamily="18" charset="0"/>
+            </a:endParaRPr>
+          </a:p>
+          <a:p>
+            <a:pPr marL="463550" indent="-463550">
+              <a:buNone/>
+            </a:pPr>
+            <a:r>
+              <a:rPr lang="en-US" sz="2400" dirty="0">
+                <a:solidFill>
+                  <a:schemeClr val="tx1"/>
+                </a:solidFill>
+                <a:latin typeface="Times" panose="02020603050405020304" pitchFamily="18" charset="0"/>
+              </a:rPr>
+              <a:t>John, H.  (2020).  Power supplies electronics club, </a:t>
+            </a:r>
+            <a:r>
+              <a:rPr lang="en-US" sz="2400" i="1" dirty="0">
+                <a:solidFill>
+                  <a:schemeClr val="tx1"/>
+                </a:solidFill>
+                <a:latin typeface="Times" panose="02020603050405020304" pitchFamily="18" charset="0"/>
+              </a:rPr>
+              <a:t>International Journal of Advances in Applied Science Research, 4</a:t>
+            </a:r>
+            <a:r>
+              <a:rPr lang="en-US" sz="2400" dirty="0">
+                <a:solidFill>
+                  <a:schemeClr val="tx1"/>
+                </a:solidFill>
+                <a:latin typeface="Times" panose="02020603050405020304" pitchFamily="18" charset="0"/>
+              </a:rPr>
+              <a:t>(1):515-522.</a:t>
+            </a:r>
+            <a:endParaRPr lang="en-GB" sz="2400" dirty="0">
+              <a:solidFill>
+                <a:schemeClr val="tx1"/>
+              </a:solidFill>
+              <a:latin typeface="Times" panose="02020603050405020304" pitchFamily="18" charset="0"/>
+            </a:endParaRPr>
+          </a:p>
+        </p:txBody>
+      </p:sp>
+    </p:spTree>
+    <p:extLst>
+      <p:ext uri="{BB962C8B-B14F-4D97-AF65-F5344CB8AC3E}">
+        <p14:creationId xmlns:p14="http://schemas.microsoft.com/office/powerpoint/2010/main" val="1831665071"/>
+      </p:ext>
+    </p:extLst>
+  </p:cSld>
+  <p:clrMapOvr>
+    <a:masterClrMapping/>
+  </p:clrMapOvr>
+  <p:transition spd="slow">
+    <p:push dir="u"/>
+  </p:transition>
+</p:sld>
+</file>
+
+<file path=ppt/slides/slide11.xml><?xml version="1.0" encoding="utf-8"?>
+<p:sld xmlns:a="http://schemas.openxmlformats.org/drawingml/2006/main" xmlns:r="http://schemas.openxmlformats.org/officeDocument/2006/relationships" xmlns:p="http://schemas.openxmlformats.org/presentationml/2006/main">
+  <p:cSld>
+    <p:spTree>
+      <p:nvGrpSpPr>
+        <p:cNvPr id="1" name=""/>
+        <p:cNvGrpSpPr/>
+        <p:nvPr/>
+      </p:nvGrpSpPr>
+      <p:grpSpPr>
+        <a:xfrm>
+          <a:off x="0" y="0"/>
+          <a:ext cx="0" cy="0"/>
+          <a:chOff x="0" y="0"/>
+          <a:chExt cx="0" cy="0"/>
+        </a:xfrm>
+      </p:grpSpPr>
+      <p:sp>
+        <p:nvSpPr>
+          <p:cNvPr id="2" name="Title 1">
+            <a:extLst>
+              <a:ext uri="{FF2B5EF4-FFF2-40B4-BE49-F238E27FC236}">
+                <a16:creationId xmlns:a16="http://schemas.microsoft.com/office/drawing/2014/main" id="{DFBC01B4-A3ED-4A0D-881B-0DD9716479F5}"/>
+              </a:ext>
+            </a:extLst>
+          </p:cNvPr>
+          <p:cNvSpPr>
+            <a:spLocks noGrp="1"/>
+          </p:cNvSpPr>
+          <p:nvPr>
+            <p:ph type="title"/>
+          </p:nvPr>
+        </p:nvSpPr>
+        <p:spPr>
+          <a:xfrm>
+            <a:off x="838200" y="2344051"/>
+            <a:ext cx="10515600" cy="1325563"/>
+          </a:xfrm>
+        </p:spPr>
+        <p:txBody>
+          <a:bodyPr>
+            <a:normAutofit/>
+          </a:bodyPr>
+          <a:lstStyle/>
+          <a:p>
+            <a:pPr algn="ctr"/>
+            <a:r>
+              <a:rPr lang="en-US" sz="6000" b="1"/>
+              <a:t>THANK YOU!</a:t>
+            </a:r>
+            <a:endParaRPr lang="en-US" sz="6000" b="1" dirty="0"/>
+          </a:p>
+        </p:txBody>
+      </p:sp>
+    </p:spTree>
+    <p:extLst>
+      <p:ext uri="{BB962C8B-B14F-4D97-AF65-F5344CB8AC3E}">
+        <p14:creationId xmlns:p14="http://schemas.microsoft.com/office/powerpoint/2010/main" val="637252669"/>
       </p:ext>
     </p:extLst>
   </p:cSld>
@@ -4679,6 +5062,9 @@
             <a:pPr algn="ctr"/>
             <a:r>
               <a:rPr lang="en-US" b="1" dirty="0">
+                <a:solidFill>
+                  <a:schemeClr val="tx1"/>
+                </a:solidFill>
                 <a:latin typeface="Tahoma" panose="020B0604030504040204" pitchFamily="34" charset="0"/>
                 <a:ea typeface="Tahoma" panose="020B0604030504040204" pitchFamily="34" charset="0"/>
                 <a:cs typeface="Tahoma" panose="020B0604030504040204" pitchFamily="34" charset="0"/>
@@ -4686,6 +5072,9 @@
               <a:t>AIM OF THE STUDY</a:t>
             </a:r>
             <a:endParaRPr lang="en-GB" b="1" dirty="0">
+              <a:solidFill>
+                <a:schemeClr val="tx1"/>
+              </a:solidFill>
               <a:latin typeface="Tahoma" panose="020B0604030504040204" pitchFamily="34" charset="0"/>
               <a:ea typeface="Tahoma" panose="020B0604030504040204" pitchFamily="34" charset="0"/>
               <a:cs typeface="Tahoma" panose="020B0604030504040204" pitchFamily="34" charset="0"/>
@@ -4728,17 +5117,19 @@
               <a:buNone/>
             </a:pPr>
             <a:r>
-              <a:rPr lang="en-US" sz="2400" dirty="0">
-                <a:latin typeface="Times New Roman" panose="02020603050405020304" pitchFamily="18" charset="0"/>
-                <a:cs typeface="Times New Roman" panose="02020603050405020304" pitchFamily="18" charset="0"/>
-              </a:rPr>
-              <a:t>The aim is to construct a variable power supply to provide the required power load using an AC supply at the input and variable regulated power from 1 to 24v at the output terminal and display the value on screen, by earning the voltage adjuster known as potentiometer, it allows analog control and power supply output for maximum versatility</a:t>
-            </a:r>
-            <a:endParaRPr lang="en-GB" sz="3600" dirty="0">
+              <a:rPr lang="en-US" sz="2800" dirty="0">
+                <a:solidFill>
+                  <a:schemeClr val="tx1"/>
+                </a:solidFill>
+                <a:latin typeface="Times" panose="02020603050405020304" pitchFamily="18" charset="0"/>
+              </a:rPr>
+              <a:t>The aim is to simulated and implement a triple power supply to provide the required power load using an A.C. supply at the input and to obtain variable regulated power from 1 to 40 volt at the output terminal and display the value on screen by turning the potentiometer. </a:t>
+            </a:r>
+            <a:endParaRPr lang="en-GB" sz="4400" dirty="0">
               <a:solidFill>
                 <a:schemeClr val="tx1"/>
               </a:solidFill>
-              <a:latin typeface="Times New Roman" panose="02020603050405020304" pitchFamily="18" charset="0"/>
+              <a:latin typeface="Times" panose="02020603050405020304" pitchFamily="18" charset="0"/>
               <a:cs typeface="Times New Roman" panose="02020603050405020304" pitchFamily="18" charset="0"/>
             </a:endParaRPr>
           </a:p>
@@ -4854,90 +5245,87 @@
           </a:bodyPr>
           <a:lstStyle/>
           <a:p>
-            <a:pPr marL="463550" lvl="0" indent="-285750">
+            <a:pPr marL="463550" lvl="0" indent="-463550">
               <a:buFont typeface="Wingdings" panose="05000000000000000000" pitchFamily="2" charset="2"/>
               <a:buChar char="§"/>
             </a:pPr>
             <a:r>
-              <a:rPr lang="en-US" sz="2800" dirty="0">
-                <a:solidFill>
-                  <a:schemeClr val="tx1">
-                    <a:lumMod val="95000"/>
-                    <a:lumOff val="5000"/>
-                  </a:schemeClr>
-                </a:solidFill>
-                <a:latin typeface="Times New Roman" panose="02020603050405020304" pitchFamily="18" charset="0"/>
-                <a:cs typeface="Times New Roman" panose="02020603050405020304" pitchFamily="18" charset="0"/>
-              </a:rPr>
-              <a:t>To observe the output to meet the requirement.</a:t>
-            </a:r>
-            <a:endParaRPr lang="en-GB" sz="2800" dirty="0">
+              <a:rPr lang="en-US" sz="2400" dirty="0">
+                <a:solidFill>
+                  <a:schemeClr val="tx1"/>
+                </a:solidFill>
+                <a:latin typeface="Times" panose="02020603050405020304" pitchFamily="18" charset="0"/>
+              </a:rPr>
+              <a:t>To put into practice the theoretical aspect of electronic told in class to solve problems.</a:t>
+            </a:r>
+            <a:endParaRPr lang="en-GB" sz="2400" dirty="0">
               <a:solidFill>
-                <a:schemeClr val="tx1">
-                  <a:lumMod val="95000"/>
-                  <a:lumOff val="5000"/>
-                </a:schemeClr>
+                <a:schemeClr val="tx1"/>
               </a:solidFill>
-              <a:latin typeface="Times New Roman" panose="02020603050405020304" pitchFamily="18" charset="0"/>
-              <a:cs typeface="Times New Roman" panose="02020603050405020304" pitchFamily="18" charset="0"/>
+              <a:latin typeface="Times" panose="02020603050405020304" pitchFamily="18" charset="0"/>
             </a:endParaRPr>
           </a:p>
           <a:p>
-            <a:pPr marL="463550" lvl="0" indent="-285750">
+            <a:pPr marL="463550" lvl="0" indent="-463550">
               <a:buFont typeface="Wingdings" panose="05000000000000000000" pitchFamily="2" charset="2"/>
               <a:buChar char="§"/>
             </a:pPr>
             <a:r>
-              <a:rPr lang="en-US" sz="2800" dirty="0">
-                <a:solidFill>
-                  <a:schemeClr val="tx1">
-                    <a:lumMod val="95000"/>
-                    <a:lumOff val="5000"/>
-                  </a:schemeClr>
-                </a:solidFill>
-                <a:latin typeface="Times New Roman" panose="02020603050405020304" pitchFamily="18" charset="0"/>
-                <a:cs typeface="Times New Roman" panose="02020603050405020304" pitchFamily="18" charset="0"/>
-              </a:rPr>
-              <a:t>To use the device for more than one purpose power supply and USB.</a:t>
-            </a:r>
-            <a:endParaRPr lang="en-GB" sz="2800" dirty="0">
+              <a:rPr lang="en-US" sz="2400" dirty="0">
+                <a:solidFill>
+                  <a:schemeClr val="tx1"/>
+                </a:solidFill>
+                <a:latin typeface="Times" panose="02020603050405020304" pitchFamily="18" charset="0"/>
+              </a:rPr>
+              <a:t>To provide an electronic device that serve more than one purpose.</a:t>
+            </a:r>
+            <a:endParaRPr lang="en-GB" sz="2400" dirty="0">
               <a:solidFill>
-                <a:schemeClr val="tx1">
-                  <a:lumMod val="95000"/>
-                  <a:lumOff val="5000"/>
-                </a:schemeClr>
+                <a:schemeClr val="tx1"/>
               </a:solidFill>
-              <a:latin typeface="Times New Roman" panose="02020603050405020304" pitchFamily="18" charset="0"/>
-              <a:cs typeface="Times New Roman" panose="02020603050405020304" pitchFamily="18" charset="0"/>
+              <a:latin typeface="Times" panose="02020603050405020304" pitchFamily="18" charset="0"/>
             </a:endParaRPr>
           </a:p>
           <a:p>
-            <a:pPr marL="463550" lvl="0" indent="-285750">
+            <a:pPr marL="463550" lvl="0" indent="-463550">
               <a:buFont typeface="Wingdings" panose="05000000000000000000" pitchFamily="2" charset="2"/>
               <a:buChar char="§"/>
             </a:pPr>
             <a:r>
-              <a:rPr lang="en-US" sz="2800" dirty="0">
-                <a:solidFill>
-                  <a:schemeClr val="tx1">
-                    <a:lumMod val="95000"/>
-                    <a:lumOff val="5000"/>
-                  </a:schemeClr>
-                </a:solidFill>
-                <a:latin typeface="Times New Roman" panose="02020603050405020304" pitchFamily="18" charset="0"/>
-                <a:cs typeface="Times New Roman" panose="02020603050405020304" pitchFamily="18" charset="0"/>
-              </a:rPr>
-              <a:t>To use less costly components and portability.</a:t>
-            </a:r>
-            <a:endParaRPr lang="en-GB" sz="2800" dirty="0">
+              <a:rPr lang="en-US" sz="2400" dirty="0">
+                <a:solidFill>
+                  <a:schemeClr val="tx1"/>
+                </a:solidFill>
+                <a:latin typeface="Times" panose="02020603050405020304" pitchFamily="18" charset="0"/>
+              </a:rPr>
+              <a:t>To eradicate frequency use of multimeter in measuring output voltage</a:t>
+            </a:r>
+            <a:endParaRPr lang="en-GB" sz="2400" dirty="0">
               <a:solidFill>
-                <a:schemeClr val="tx1">
-                  <a:lumMod val="95000"/>
-                  <a:lumOff val="5000"/>
-                </a:schemeClr>
+                <a:schemeClr val="tx1"/>
               </a:solidFill>
-              <a:latin typeface="Times New Roman" panose="02020603050405020304" pitchFamily="18" charset="0"/>
-              <a:cs typeface="Times New Roman" panose="02020603050405020304" pitchFamily="18" charset="0"/>
+              <a:latin typeface="Times" panose="02020603050405020304" pitchFamily="18" charset="0"/>
+            </a:endParaRPr>
+          </a:p>
+          <a:p>
+            <a:pPr marL="463550" lvl="0" indent="-463550">
+              <a:buFont typeface="Wingdings" panose="05000000000000000000" pitchFamily="2" charset="2"/>
+              <a:buChar char="§"/>
+            </a:pPr>
+            <a:r>
+              <a:rPr lang="en-US" sz="2400" dirty="0">
+                <a:solidFill>
+                  <a:schemeClr val="tx1"/>
+                </a:solidFill>
+                <a:latin typeface="Times" panose="02020603050405020304" pitchFamily="18" charset="0"/>
+              </a:rPr>
+              <a:t>To provide a device that can be used in various types of application.</a:t>
+            </a:r>
+            <a:endParaRPr lang="en-GB" sz="2400" dirty="0">
+              <a:solidFill>
+                <a:schemeClr val="tx1"/>
+              </a:solidFill>
+              <a:latin typeface="Times" panose="02020603050405020304" pitchFamily="18" charset="0"/>
             </a:endParaRPr>
           </a:p>
         </p:txBody>
@@ -5213,10 +5601,126 @@
       </p:grpSpPr>
       <p:sp>
         <p:nvSpPr>
-          <p:cNvPr id="4" name="Title 1">
+          <p:cNvPr id="4" name="Rectangle 2">
             <a:extLst>
               <a:ext uri="{FF2B5EF4-FFF2-40B4-BE49-F238E27FC236}">
-                <a16:creationId xmlns:a16="http://schemas.microsoft.com/office/drawing/2014/main" id="{CE5BCE50-95CA-450B-9891-772C1C5BE8C9}"/>
+                <a16:creationId xmlns:a16="http://schemas.microsoft.com/office/drawing/2014/main" id="{A32371AC-D703-44EF-A447-7B85849CB63E}"/>
+              </a:ext>
+            </a:extLst>
+          </p:cNvPr>
+          <p:cNvSpPr>
+            <a:spLocks noChangeArrowheads="1"/>
+          </p:cNvSpPr>
+          <p:nvPr/>
+        </p:nvSpPr>
+        <p:spPr bwMode="auto">
+          <a:xfrm>
+            <a:off x="0" y="0"/>
+            <a:ext cx="12192000" cy="457200"/>
+          </a:xfrm>
+          <a:prstGeom prst="rect">
+            <a:avLst/>
+          </a:prstGeom>
+          <a:noFill/>
+          <a:ln>
+            <a:noFill/>
+          </a:ln>
+          <a:effectLst/>
+          <a:extLst>
+            <a:ext uri="{909E8E84-426E-40DD-AFC4-6F175D3DCCD1}">
+              <a14:hiddenFill xmlns:a14="http://schemas.microsoft.com/office/drawing/2010/main">
+                <a:solidFill>
+                  <a:schemeClr val="accent1"/>
+                </a:solidFill>
+              </a14:hiddenFill>
+            </a:ext>
+            <a:ext uri="{91240B29-F687-4F45-9708-019B960494DF}">
+              <a14:hiddenLine xmlns:a14="http://schemas.microsoft.com/office/drawing/2010/main" w="9525">
+                <a:solidFill>
+                  <a:schemeClr val="tx1"/>
+                </a:solidFill>
+                <a:miter lim="800000"/>
+                <a:headEnd/>
+                <a:tailEnd/>
+              </a14:hiddenLine>
+            </a:ext>
+            <a:ext uri="{AF507438-7753-43E0-B8FC-AC1667EBCBE1}">
+              <a14:hiddenEffects xmlns:a14="http://schemas.microsoft.com/office/drawing/2010/main">
+                <a:effectLst>
+                  <a:outerShdw dist="35921" dir="2700000" algn="ctr" rotWithShape="0">
+                    <a:schemeClr val="bg2"/>
+                  </a:outerShdw>
+                </a:effectLst>
+              </a14:hiddenEffects>
+            </a:ext>
+          </a:extLst>
+        </p:spPr>
+        <p:txBody>
+          <a:bodyPr vert="horz" wrap="none" lIns="91440" tIns="45720" rIns="91440" bIns="45720" numCol="1" anchor="ctr" anchorCtr="0" compatLnSpc="1">
+            <a:prstTxWarp prst="textNoShape">
+              <a:avLst/>
+            </a:prstTxWarp>
+            <a:spAutoFit/>
+          </a:bodyPr>
+          <a:lstStyle/>
+          <a:p>
+            <a:endParaRPr lang="en-GB"/>
+          </a:p>
+        </p:txBody>
+      </p:sp>
+      <p:pic>
+        <p:nvPicPr>
+          <p:cNvPr id="1025" name="Picture 9">
+            <a:extLst>
+              <a:ext uri="{FF2B5EF4-FFF2-40B4-BE49-F238E27FC236}">
+                <a16:creationId xmlns:a16="http://schemas.microsoft.com/office/drawing/2014/main" id="{39679E57-6ADB-4F37-B9C1-86CD12464057}"/>
+              </a:ext>
+            </a:extLst>
+          </p:cNvPr>
+          <p:cNvPicPr>
+            <a:picLocks noChangeAspect="1" noChangeArrowheads="1"/>
+          </p:cNvPicPr>
+          <p:nvPr/>
+        </p:nvPicPr>
+        <p:blipFill>
+          <a:blip r:embed="rId2">
+            <a:extLst>
+              <a:ext uri="{28A0092B-C50C-407E-A947-70E740481C1C}">
+                <a14:useLocalDpi xmlns:a14="http://schemas.microsoft.com/office/drawing/2010/main" val="0"/>
+              </a:ext>
+            </a:extLst>
+          </a:blip>
+          <a:srcRect/>
+          <a:stretch>
+            <a:fillRect/>
+          </a:stretch>
+        </p:blipFill>
+        <p:spPr bwMode="auto">
+          <a:xfrm>
+            <a:off x="914400" y="1187355"/>
+            <a:ext cx="9773222" cy="4896365"/>
+          </a:xfrm>
+          <a:prstGeom prst="rect">
+            <a:avLst/>
+          </a:prstGeom>
+          <a:noFill/>
+          <a:extLst>
+            <a:ext uri="{909E8E84-426E-40DD-AFC4-6F175D3DCCD1}">
+              <a14:hiddenFill xmlns:a14="http://schemas.microsoft.com/office/drawing/2010/main">
+                <a:solidFill>
+                  <a:srgbClr val="FFFFFF"/>
+                </a:solidFill>
+              </a14:hiddenFill>
+            </a:ext>
+          </a:extLst>
+        </p:spPr>
+      </p:pic>
+      <p:sp>
+        <p:nvSpPr>
+          <p:cNvPr id="7" name="Title 1">
+            <a:extLst>
+              <a:ext uri="{FF2B5EF4-FFF2-40B4-BE49-F238E27FC236}">
+                <a16:creationId xmlns:a16="http://schemas.microsoft.com/office/drawing/2014/main" id="{CE3727A7-6F4B-47B6-807C-97EF437A86A9}"/>
               </a:ext>
             </a:extLst>
           </p:cNvPr>
@@ -5248,7 +5752,7 @@
                 <a:latin typeface="Times New Roman" panose="02020603050405020304" pitchFamily="18" charset="0"/>
                 <a:cs typeface="Times New Roman" panose="02020603050405020304" pitchFamily="18" charset="0"/>
               </a:rPr>
-              <a:t>DISCUSSION</a:t>
+              <a:t>CIRCUIT DIAGRAM</a:t>
             </a:r>
             <a:endParaRPr lang="en-GB" dirty="0">
               <a:solidFill>
@@ -5260,72 +5764,10 @@
           </a:p>
         </p:txBody>
       </p:sp>
-      <p:sp>
-        <p:nvSpPr>
-          <p:cNvPr id="5" name="Content Placeholder 2">
-            <a:extLst>
-              <a:ext uri="{FF2B5EF4-FFF2-40B4-BE49-F238E27FC236}">
-                <a16:creationId xmlns:a16="http://schemas.microsoft.com/office/drawing/2014/main" id="{F00DFD2A-71D9-43F3-8D12-317D61600C73}"/>
-              </a:ext>
-            </a:extLst>
-          </p:cNvPr>
-          <p:cNvSpPr>
-            <a:spLocks noGrp="1"/>
-          </p:cNvSpPr>
-          <p:nvPr>
-            <p:ph idx="1"/>
-          </p:nvPr>
-        </p:nvSpPr>
-        <p:spPr>
-          <a:xfrm>
-            <a:off x="708338" y="982640"/>
-            <a:ext cx="10972800" cy="5295330"/>
-          </a:xfrm>
-          <a:solidFill>
-            <a:schemeClr val="bg1"/>
-          </a:solidFill>
-        </p:spPr>
-        <p:txBody>
-          <a:bodyPr>
-            <a:normAutofit fontScale="92500" lnSpcReduction="10000"/>
-          </a:bodyPr>
-          <a:lstStyle/>
-          <a:p>
-            <a:pPr algn="just">
-              <a:lnSpc>
-                <a:spcPct val="150000"/>
-              </a:lnSpc>
-            </a:pPr>
-            <a:r>
-              <a:rPr lang="en-US" sz="2400" dirty="0">
-                <a:solidFill>
-                  <a:schemeClr val="tx1">
-                    <a:lumMod val="95000"/>
-                    <a:lumOff val="5000"/>
-                  </a:schemeClr>
-                </a:solidFill>
-                <a:latin typeface="Times New Roman" panose="02020603050405020304" pitchFamily="18" charset="0"/>
-                <a:cs typeface="Times New Roman" panose="02020603050405020304" pitchFamily="18" charset="0"/>
-              </a:rPr>
-              <a:t>A power supplies have a power input which receives energy from the energy source. and a power output that delivers energy to the load. Most power supply the power input and output consist of electrical connectors or hardware circuit connection (John, 2020). The circuit mainly compose of the input transformer which will be used to transform the incoming line voltage down to the required level for the power supply, the power supply rectifier covert the AC voltage to DC voltage either halfwave or full wave, the addition of a reservoir capacitor here fills In the troughs in the wave form, enabling the next stage of power supply to operate, large value and capacitor are to be used in this stage (Robert &amp; Louis 2004). The voltage adjuster of the power supply takes the smoothed voltage and use a variable integrated circuit (IC) and potentiometer to provide a variable regulated output virtually regardless of the output current and any minor fluctuation in the input level (Study, 2014).</a:t>
-            </a:r>
-            <a:endParaRPr lang="en-GB" sz="2400" dirty="0">
-              <a:solidFill>
-                <a:schemeClr val="tx1">
-                  <a:lumMod val="95000"/>
-                  <a:lumOff val="5000"/>
-                </a:schemeClr>
-              </a:solidFill>
-              <a:latin typeface="Times New Roman" panose="02020603050405020304" pitchFamily="18" charset="0"/>
-              <a:cs typeface="Times New Roman" panose="02020603050405020304" pitchFamily="18" charset="0"/>
-            </a:endParaRPr>
-          </a:p>
-        </p:txBody>
-      </p:sp>
     </p:spTree>
     <p:extLst>
       <p:ext uri="{BB962C8B-B14F-4D97-AF65-F5344CB8AC3E}">
-        <p14:creationId xmlns:p14="http://schemas.microsoft.com/office/powerpoint/2010/main" val="3765281012"/>
+        <p14:creationId xmlns:p14="http://schemas.microsoft.com/office/powerpoint/2010/main" val="912758194"/>
       </p:ext>
     </p:extLst>
   </p:cSld>
@@ -5357,10 +5799,10 @@
       </p:grpSpPr>
       <p:sp>
         <p:nvSpPr>
-          <p:cNvPr id="5" name="Title 1">
+          <p:cNvPr id="4" name="Title 1">
             <a:extLst>
               <a:ext uri="{FF2B5EF4-FFF2-40B4-BE49-F238E27FC236}">
-                <a16:creationId xmlns:a16="http://schemas.microsoft.com/office/drawing/2014/main" id="{117B8DEA-7F75-46CA-9AAC-7870EB8A79BD}"/>
+                <a16:creationId xmlns:a16="http://schemas.microsoft.com/office/drawing/2014/main" id="{0A174F20-F06E-481B-AA55-640194DA9A8A}"/>
               </a:ext>
             </a:extLst>
           </p:cNvPr>
@@ -5373,474 +5815,1178 @@
         </p:nvSpPr>
         <p:spPr>
           <a:xfrm>
-            <a:off x="838200" y="409073"/>
-            <a:ext cx="10972800" cy="518975"/>
+            <a:off x="810904" y="122470"/>
+            <a:ext cx="10972800" cy="860169"/>
           </a:xfrm>
         </p:spPr>
         <p:txBody>
           <a:bodyPr>
-            <a:normAutofit fontScale="90000"/>
+            <a:normAutofit/>
           </a:bodyPr>
           <a:lstStyle/>
           <a:p>
             <a:pPr algn="ctr"/>
             <a:r>
-              <a:rPr lang="en-GB" b="1" dirty="0">
+              <a:rPr lang="en-US" b="1" dirty="0">
                 <a:solidFill>
                   <a:schemeClr val="tx1"/>
                 </a:solidFill>
                 <a:latin typeface="Times New Roman" panose="02020603050405020304" pitchFamily="18" charset="0"/>
                 <a:cs typeface="Times New Roman" panose="02020603050405020304" pitchFamily="18" charset="0"/>
               </a:rPr>
-              <a:t>REFERENCES</a:t>
-            </a:r>
-          </a:p>
-        </p:txBody>
-      </p:sp>
-      <p:sp>
-        <p:nvSpPr>
-          <p:cNvPr id="6" name="Content Placeholder 2">
-            <a:extLst>
-              <a:ext uri="{FF2B5EF4-FFF2-40B4-BE49-F238E27FC236}">
-                <a16:creationId xmlns:a16="http://schemas.microsoft.com/office/drawing/2014/main" id="{DBA5E16C-CB07-4960-A3E7-AAF1787C7343}"/>
-              </a:ext>
-            </a:extLst>
-          </p:cNvPr>
-          <p:cNvSpPr>
-            <a:spLocks noGrp="1"/>
-          </p:cNvSpPr>
-          <p:nvPr>
-            <p:ph idx="1"/>
-          </p:nvPr>
-        </p:nvSpPr>
-        <p:spPr>
-          <a:xfrm>
-            <a:off x="708338" y="928048"/>
-            <a:ext cx="10972800" cy="5418161"/>
-          </a:xfrm>
-          <a:solidFill>
-            <a:schemeClr val="bg1"/>
-          </a:solidFill>
-        </p:spPr>
-        <p:txBody>
-          <a:bodyPr>
-            <a:noAutofit/>
-          </a:bodyPr>
-          <a:lstStyle/>
-          <a:p>
-            <a:pPr marL="463550" indent="-354013"/>
-            <a:r>
-              <a:rPr lang="en-US" dirty="0">
-                <a:solidFill>
-                  <a:schemeClr val="tx1">
-                    <a:lumMod val="95000"/>
-                    <a:lumOff val="5000"/>
-                  </a:schemeClr>
-                </a:solidFill>
-                <a:latin typeface="Times New Roman" panose="02020603050405020304" pitchFamily="18" charset="0"/>
-                <a:cs typeface="Times New Roman" panose="02020603050405020304" pitchFamily="18" charset="0"/>
-              </a:rPr>
-              <a:t>John, H.  (2020).  Power supplies electronics club, </a:t>
-            </a:r>
-            <a:r>
-              <a:rPr lang="en-US" i="1" dirty="0">
-                <a:solidFill>
-                  <a:schemeClr val="tx1">
-                    <a:lumMod val="95000"/>
-                    <a:lumOff val="5000"/>
-                  </a:schemeClr>
-                </a:solidFill>
-                <a:latin typeface="Times New Roman" panose="02020603050405020304" pitchFamily="18" charset="0"/>
-                <a:cs typeface="Times New Roman" panose="02020603050405020304" pitchFamily="18" charset="0"/>
-              </a:rPr>
-              <a:t>International Journal of Advances in Applied Science Research, 4</a:t>
-            </a:r>
-            <a:r>
-              <a:rPr lang="en-US" dirty="0">
-                <a:solidFill>
-                  <a:schemeClr val="tx1">
-                    <a:lumMod val="95000"/>
-                    <a:lumOff val="5000"/>
-                  </a:schemeClr>
-                </a:solidFill>
-                <a:latin typeface="Times New Roman" panose="02020603050405020304" pitchFamily="18" charset="0"/>
-                <a:cs typeface="Times New Roman" panose="02020603050405020304" pitchFamily="18" charset="0"/>
-              </a:rPr>
-              <a:t>(1):515-522.</a:t>
+              <a:t>RESULT</a:t>
             </a:r>
             <a:endParaRPr lang="en-GB" dirty="0">
               <a:solidFill>
-                <a:schemeClr val="tx1">
-                  <a:lumMod val="95000"/>
-                  <a:lumOff val="5000"/>
-                </a:schemeClr>
+                <a:schemeClr val="tx1"/>
               </a:solidFill>
               <a:latin typeface="Times New Roman" panose="02020603050405020304" pitchFamily="18" charset="0"/>
               <a:cs typeface="Times New Roman" panose="02020603050405020304" pitchFamily="18" charset="0"/>
             </a:endParaRPr>
           </a:p>
-          <a:p>
-            <a:pPr marL="463550" indent="-354013"/>
-            <a:r>
-              <a:rPr lang="en-US" dirty="0">
-                <a:solidFill>
-                  <a:schemeClr val="tx1">
-                    <a:lumMod val="95000"/>
-                    <a:lumOff val="5000"/>
-                  </a:schemeClr>
-                </a:solidFill>
+        </p:txBody>
+      </p:sp>
+      <p:graphicFrame>
+        <p:nvGraphicFramePr>
+          <p:cNvPr id="5" name="Table 4">
+            <a:extLst>
+              <a:ext uri="{FF2B5EF4-FFF2-40B4-BE49-F238E27FC236}">
+                <a16:creationId xmlns:a16="http://schemas.microsoft.com/office/drawing/2014/main" id="{018CEEDA-06BC-4576-AD23-484CEC5D45F7}"/>
+              </a:ext>
+            </a:extLst>
+          </p:cNvPr>
+          <p:cNvGraphicFramePr>
+            <a:graphicFrameLocks noGrp="1"/>
+          </p:cNvGraphicFramePr>
+          <p:nvPr>
+            <p:extLst>
+              <p:ext uri="{D42A27DB-BD31-4B8C-83A1-F6EECF244321}">
+                <p14:modId xmlns:p14="http://schemas.microsoft.com/office/powerpoint/2010/main" val="2064008929"/>
+              </p:ext>
+            </p:extLst>
+          </p:nvPr>
+        </p:nvGraphicFramePr>
+        <p:xfrm>
+          <a:off x="1041009" y="1439839"/>
+          <a:ext cx="10086536" cy="4735878"/>
+        </p:xfrm>
+        <a:graphic>
+          <a:graphicData uri="http://schemas.openxmlformats.org/drawingml/2006/table">
+            <a:tbl>
+              <a:tblPr firstRow="1" firstCol="1" bandRow="1">
+                <a:tableStyleId>{5C22544A-7EE6-4342-B048-85BDC9FD1C3A}</a:tableStyleId>
+              </a:tblPr>
+              <a:tblGrid>
+                <a:gridCol w="754133">
+                  <a:extLst>
+                    <a:ext uri="{9D8B030D-6E8A-4147-A177-3AD203B41FA5}">
+                      <a16:colId xmlns:a16="http://schemas.microsoft.com/office/drawing/2014/main" val="2365267676"/>
+                    </a:ext>
+                  </a:extLst>
+                </a:gridCol>
+                <a:gridCol w="4053468">
+                  <a:extLst>
+                    <a:ext uri="{9D8B030D-6E8A-4147-A177-3AD203B41FA5}">
+                      <a16:colId xmlns:a16="http://schemas.microsoft.com/office/drawing/2014/main" val="4040821881"/>
+                    </a:ext>
+                  </a:extLst>
+                </a:gridCol>
+                <a:gridCol w="1791067">
+                  <a:extLst>
+                    <a:ext uri="{9D8B030D-6E8A-4147-A177-3AD203B41FA5}">
+                      <a16:colId xmlns:a16="http://schemas.microsoft.com/office/drawing/2014/main" val="428854570"/>
+                    </a:ext>
+                  </a:extLst>
+                </a:gridCol>
+                <a:gridCol w="3487868">
+                  <a:extLst>
+                    <a:ext uri="{9D8B030D-6E8A-4147-A177-3AD203B41FA5}">
+                      <a16:colId xmlns:a16="http://schemas.microsoft.com/office/drawing/2014/main" val="294605199"/>
+                    </a:ext>
+                  </a:extLst>
+                </a:gridCol>
+              </a:tblGrid>
+              <a:tr h="451548">
+                <a:tc>
+                  <a:txBody>
+                    <a:bodyPr/>
+                    <a:lstStyle/>
+                    <a:p>
+                      <a:pPr marL="0" marR="0">
+                        <a:lnSpc>
+                          <a:spcPct val="200000"/>
+                        </a:lnSpc>
+                        <a:spcBef>
+                          <a:spcPts val="0"/>
+                        </a:spcBef>
+                        <a:spcAft>
+                          <a:spcPts val="0"/>
+                        </a:spcAft>
+                      </a:pPr>
+                      <a:r>
+                        <a:rPr lang="en-US" sz="1600">
+                          <a:effectLst/>
+                          <a:latin typeface="Times" panose="02020603050405020304" pitchFamily="18" charset="0"/>
+                        </a:rPr>
+                        <a:t>S/N</a:t>
+                      </a:r>
+                      <a:endParaRPr lang="en-GB" sz="1400">
+                        <a:effectLst/>
+                        <a:latin typeface="Times" panose="02020603050405020304" pitchFamily="18" charset="0"/>
+                        <a:ea typeface="Calibri" panose="020F0502020204030204" pitchFamily="34" charset="0"/>
+                        <a:cs typeface="Times New Roman" panose="02020603050405020304" pitchFamily="18" charset="0"/>
+                      </a:endParaRPr>
+                    </a:p>
+                  </a:txBody>
+                  <a:tcPr marL="68580" marR="68580" marT="0" marB="0" anchor="b"/>
+                </a:tc>
+                <a:tc>
+                  <a:txBody>
+                    <a:bodyPr/>
+                    <a:lstStyle/>
+                    <a:p>
+                      <a:pPr marL="0" marR="0">
+                        <a:lnSpc>
+                          <a:spcPct val="200000"/>
+                        </a:lnSpc>
+                        <a:spcBef>
+                          <a:spcPts val="0"/>
+                        </a:spcBef>
+                        <a:spcAft>
+                          <a:spcPts val="0"/>
+                        </a:spcAft>
+                      </a:pPr>
+                      <a:r>
+                        <a:rPr lang="en-US" sz="1600">
+                          <a:effectLst/>
+                          <a:latin typeface="Times" panose="02020603050405020304" pitchFamily="18" charset="0"/>
+                        </a:rPr>
+                        <a:t>TEST</a:t>
+                      </a:r>
+                      <a:endParaRPr lang="en-GB" sz="1400">
+                        <a:effectLst/>
+                        <a:latin typeface="Times" panose="02020603050405020304" pitchFamily="18" charset="0"/>
+                        <a:ea typeface="Calibri" panose="020F0502020204030204" pitchFamily="34" charset="0"/>
+                        <a:cs typeface="Times New Roman" panose="02020603050405020304" pitchFamily="18" charset="0"/>
+                      </a:endParaRPr>
+                    </a:p>
+                  </a:txBody>
+                  <a:tcPr marL="68580" marR="68580" marT="0" marB="0" anchor="b"/>
+                </a:tc>
+                <a:tc>
+                  <a:txBody>
+                    <a:bodyPr/>
+                    <a:lstStyle/>
+                    <a:p>
+                      <a:pPr marL="0" marR="0">
+                        <a:lnSpc>
+                          <a:spcPct val="200000"/>
+                        </a:lnSpc>
+                        <a:spcBef>
+                          <a:spcPts val="0"/>
+                        </a:spcBef>
+                        <a:spcAft>
+                          <a:spcPts val="0"/>
+                        </a:spcAft>
+                      </a:pPr>
+                      <a:r>
+                        <a:rPr lang="en-US" sz="1600">
+                          <a:effectLst/>
+                          <a:latin typeface="Times" panose="02020603050405020304" pitchFamily="18" charset="0"/>
+                        </a:rPr>
+                        <a:t>RESULT</a:t>
+                      </a:r>
+                      <a:endParaRPr lang="en-GB" sz="1400">
+                        <a:effectLst/>
+                        <a:latin typeface="Times" panose="02020603050405020304" pitchFamily="18" charset="0"/>
+                        <a:ea typeface="Calibri" panose="020F0502020204030204" pitchFamily="34" charset="0"/>
+                        <a:cs typeface="Times New Roman" panose="02020603050405020304" pitchFamily="18" charset="0"/>
+                      </a:endParaRPr>
+                    </a:p>
+                  </a:txBody>
+                  <a:tcPr marL="68580" marR="68580" marT="0" marB="0" anchor="b"/>
+                </a:tc>
+                <a:tc>
+                  <a:txBody>
+                    <a:bodyPr/>
+                    <a:lstStyle/>
+                    <a:p>
+                      <a:pPr marL="0" marR="0">
+                        <a:lnSpc>
+                          <a:spcPct val="200000"/>
+                        </a:lnSpc>
+                        <a:spcBef>
+                          <a:spcPts val="0"/>
+                        </a:spcBef>
+                        <a:spcAft>
+                          <a:spcPts val="0"/>
+                        </a:spcAft>
+                      </a:pPr>
+                      <a:r>
+                        <a:rPr lang="en-US" sz="1600">
+                          <a:effectLst/>
+                          <a:latin typeface="Times" panose="02020603050405020304" pitchFamily="18" charset="0"/>
+                        </a:rPr>
+                        <a:t>COMMENT</a:t>
+                      </a:r>
+                      <a:endParaRPr lang="en-GB" sz="1400">
+                        <a:effectLst/>
+                        <a:latin typeface="Times" panose="02020603050405020304" pitchFamily="18" charset="0"/>
+                        <a:ea typeface="Calibri" panose="020F0502020204030204" pitchFamily="34" charset="0"/>
+                        <a:cs typeface="Times New Roman" panose="02020603050405020304" pitchFamily="18" charset="0"/>
+                      </a:endParaRPr>
+                    </a:p>
+                  </a:txBody>
+                  <a:tcPr marL="68580" marR="68580" marT="0" marB="0" anchor="b"/>
+                </a:tc>
+                <a:extLst>
+                  <a:ext uri="{0D108BD9-81ED-4DB2-BD59-A6C34878D82A}">
+                    <a16:rowId xmlns:a16="http://schemas.microsoft.com/office/drawing/2014/main" val="4110588673"/>
+                  </a:ext>
+                </a:extLst>
+              </a:tr>
+              <a:tr h="451548">
+                <a:tc>
+                  <a:txBody>
+                    <a:bodyPr/>
+                    <a:lstStyle/>
+                    <a:p>
+                      <a:pPr marL="0" marR="0" algn="just">
+                        <a:lnSpc>
+                          <a:spcPct val="200000"/>
+                        </a:lnSpc>
+                        <a:spcBef>
+                          <a:spcPts val="0"/>
+                        </a:spcBef>
+                        <a:spcAft>
+                          <a:spcPts val="0"/>
+                        </a:spcAft>
+                      </a:pPr>
+                      <a:r>
+                        <a:rPr lang="en-US" sz="1600">
+                          <a:effectLst/>
+                          <a:latin typeface="Times" panose="02020603050405020304" pitchFamily="18" charset="0"/>
+                        </a:rPr>
+                        <a:t>1</a:t>
+                      </a:r>
+                      <a:endParaRPr lang="en-GB" sz="1400">
+                        <a:effectLst/>
+                        <a:latin typeface="Times" panose="02020603050405020304" pitchFamily="18" charset="0"/>
+                        <a:ea typeface="Calibri" panose="020F0502020204030204" pitchFamily="34" charset="0"/>
+                        <a:cs typeface="Times New Roman" panose="02020603050405020304" pitchFamily="18" charset="0"/>
+                      </a:endParaRPr>
+                    </a:p>
+                  </a:txBody>
+                  <a:tcPr marL="68580" marR="68580" marT="0" marB="0"/>
+                </a:tc>
+                <a:tc>
+                  <a:txBody>
+                    <a:bodyPr/>
+                    <a:lstStyle/>
+                    <a:p>
+                      <a:pPr marL="0" marR="0" algn="just">
+                        <a:lnSpc>
+                          <a:spcPct val="200000"/>
+                        </a:lnSpc>
+                        <a:spcBef>
+                          <a:spcPts val="0"/>
+                        </a:spcBef>
+                        <a:spcAft>
+                          <a:spcPts val="0"/>
+                        </a:spcAft>
+                      </a:pPr>
+                      <a:r>
+                        <a:rPr lang="en-US" sz="1600">
+                          <a:effectLst/>
+                          <a:latin typeface="Times" panose="02020603050405020304" pitchFamily="18" charset="0"/>
+                        </a:rPr>
+                        <a:t>A.C. Main input to transformer</a:t>
+                      </a:r>
+                      <a:endParaRPr lang="en-GB" sz="1400">
+                        <a:effectLst/>
+                        <a:latin typeface="Times" panose="02020603050405020304" pitchFamily="18" charset="0"/>
+                        <a:ea typeface="Calibri" panose="020F0502020204030204" pitchFamily="34" charset="0"/>
+                        <a:cs typeface="Times New Roman" panose="02020603050405020304" pitchFamily="18" charset="0"/>
+                      </a:endParaRPr>
+                    </a:p>
+                  </a:txBody>
+                  <a:tcPr marL="68580" marR="68580" marT="0" marB="0"/>
+                </a:tc>
+                <a:tc>
+                  <a:txBody>
+                    <a:bodyPr/>
+                    <a:lstStyle/>
+                    <a:p>
+                      <a:pPr marL="0" marR="0" algn="just">
+                        <a:lnSpc>
+                          <a:spcPct val="200000"/>
+                        </a:lnSpc>
+                        <a:spcBef>
+                          <a:spcPts val="0"/>
+                        </a:spcBef>
+                        <a:spcAft>
+                          <a:spcPts val="0"/>
+                        </a:spcAft>
+                      </a:pPr>
+                      <a:r>
+                        <a:rPr lang="en-US" sz="1600">
+                          <a:effectLst/>
+                          <a:latin typeface="Times" panose="02020603050405020304" pitchFamily="18" charset="0"/>
+                        </a:rPr>
+                        <a:t>220volt A.C.</a:t>
+                      </a:r>
+                      <a:endParaRPr lang="en-GB" sz="1400">
+                        <a:effectLst/>
+                        <a:latin typeface="Times" panose="02020603050405020304" pitchFamily="18" charset="0"/>
+                        <a:ea typeface="Calibri" panose="020F0502020204030204" pitchFamily="34" charset="0"/>
+                        <a:cs typeface="Times New Roman" panose="02020603050405020304" pitchFamily="18" charset="0"/>
+                      </a:endParaRPr>
+                    </a:p>
+                  </a:txBody>
+                  <a:tcPr marL="68580" marR="68580" marT="0" marB="0"/>
+                </a:tc>
+                <a:tc>
+                  <a:txBody>
+                    <a:bodyPr/>
+                    <a:lstStyle/>
+                    <a:p>
+                      <a:pPr marL="0" marR="0">
+                        <a:lnSpc>
+                          <a:spcPct val="200000"/>
+                        </a:lnSpc>
+                        <a:spcBef>
+                          <a:spcPts val="0"/>
+                        </a:spcBef>
+                        <a:spcAft>
+                          <a:spcPts val="0"/>
+                        </a:spcAft>
+                      </a:pPr>
+                      <a:r>
+                        <a:rPr lang="en-US" sz="1600">
+                          <a:effectLst/>
+                          <a:latin typeface="Times" panose="02020603050405020304" pitchFamily="18" charset="0"/>
+                        </a:rPr>
+                        <a:t>Input to transformer</a:t>
+                      </a:r>
+                      <a:endParaRPr lang="en-GB" sz="1400">
+                        <a:effectLst/>
+                        <a:latin typeface="Times" panose="02020603050405020304" pitchFamily="18" charset="0"/>
+                        <a:ea typeface="Calibri" panose="020F0502020204030204" pitchFamily="34" charset="0"/>
+                        <a:cs typeface="Times New Roman" panose="02020603050405020304" pitchFamily="18" charset="0"/>
+                      </a:endParaRPr>
+                    </a:p>
+                  </a:txBody>
+                  <a:tcPr marL="68580" marR="68580" marT="0" marB="0"/>
+                </a:tc>
+                <a:extLst>
+                  <a:ext uri="{0D108BD9-81ED-4DB2-BD59-A6C34878D82A}">
+                    <a16:rowId xmlns:a16="http://schemas.microsoft.com/office/drawing/2014/main" val="11164238"/>
+                  </a:ext>
+                </a:extLst>
+              </a:tr>
+              <a:tr h="976562">
+                <a:tc>
+                  <a:txBody>
+                    <a:bodyPr/>
+                    <a:lstStyle/>
+                    <a:p>
+                      <a:pPr marL="0" marR="0" algn="just">
+                        <a:lnSpc>
+                          <a:spcPct val="200000"/>
+                        </a:lnSpc>
+                        <a:spcBef>
+                          <a:spcPts val="0"/>
+                        </a:spcBef>
+                        <a:spcAft>
+                          <a:spcPts val="0"/>
+                        </a:spcAft>
+                      </a:pPr>
+                      <a:r>
+                        <a:rPr lang="en-US" sz="1600">
+                          <a:effectLst/>
+                          <a:latin typeface="Times" panose="02020603050405020304" pitchFamily="18" charset="0"/>
+                        </a:rPr>
+                        <a:t>2</a:t>
+                      </a:r>
+                      <a:endParaRPr lang="en-GB" sz="1400">
+                        <a:effectLst/>
+                        <a:latin typeface="Times" panose="02020603050405020304" pitchFamily="18" charset="0"/>
+                        <a:ea typeface="Calibri" panose="020F0502020204030204" pitchFamily="34" charset="0"/>
+                        <a:cs typeface="Times New Roman" panose="02020603050405020304" pitchFamily="18" charset="0"/>
+                      </a:endParaRPr>
+                    </a:p>
+                  </a:txBody>
+                  <a:tcPr marL="68580" marR="68580" marT="0" marB="0"/>
+                </a:tc>
+                <a:tc>
+                  <a:txBody>
+                    <a:bodyPr/>
+                    <a:lstStyle/>
+                    <a:p>
+                      <a:pPr marL="0" marR="0" algn="just">
+                        <a:lnSpc>
+                          <a:spcPct val="200000"/>
+                        </a:lnSpc>
+                        <a:spcBef>
+                          <a:spcPts val="0"/>
+                        </a:spcBef>
+                        <a:spcAft>
+                          <a:spcPts val="0"/>
+                        </a:spcAft>
+                      </a:pPr>
+                      <a:r>
+                        <a:rPr lang="en-US" sz="1600">
+                          <a:effectLst/>
+                          <a:latin typeface="Times" panose="02020603050405020304" pitchFamily="18" charset="0"/>
+                        </a:rPr>
+                        <a:t>Rectifier input</a:t>
+                      </a:r>
+                      <a:endParaRPr lang="en-GB" sz="1400">
+                        <a:effectLst/>
+                        <a:latin typeface="Times" panose="02020603050405020304" pitchFamily="18" charset="0"/>
+                        <a:ea typeface="Calibri" panose="020F0502020204030204" pitchFamily="34" charset="0"/>
+                        <a:cs typeface="Times New Roman" panose="02020603050405020304" pitchFamily="18" charset="0"/>
+                      </a:endParaRPr>
+                    </a:p>
+                  </a:txBody>
+                  <a:tcPr marL="68580" marR="68580" marT="0" marB="0"/>
+                </a:tc>
+                <a:tc>
+                  <a:txBody>
+                    <a:bodyPr/>
+                    <a:lstStyle/>
+                    <a:p>
+                      <a:pPr marL="0" marR="0" algn="just">
+                        <a:lnSpc>
+                          <a:spcPct val="200000"/>
+                        </a:lnSpc>
+                        <a:spcBef>
+                          <a:spcPts val="0"/>
+                        </a:spcBef>
+                        <a:spcAft>
+                          <a:spcPts val="0"/>
+                        </a:spcAft>
+                      </a:pPr>
+                      <a:r>
+                        <a:rPr lang="en-US" sz="1600">
+                          <a:effectLst/>
+                          <a:latin typeface="Times" panose="02020603050405020304" pitchFamily="18" charset="0"/>
+                        </a:rPr>
+                        <a:t>14volt A.C.</a:t>
+                      </a:r>
+                      <a:endParaRPr lang="en-GB" sz="1400">
+                        <a:effectLst/>
+                        <a:latin typeface="Times" panose="02020603050405020304" pitchFamily="18" charset="0"/>
+                        <a:ea typeface="Calibri" panose="020F0502020204030204" pitchFamily="34" charset="0"/>
+                        <a:cs typeface="Times New Roman" panose="02020603050405020304" pitchFamily="18" charset="0"/>
+                      </a:endParaRPr>
+                    </a:p>
+                  </a:txBody>
+                  <a:tcPr marL="68580" marR="68580" marT="0" marB="0"/>
+                </a:tc>
+                <a:tc>
+                  <a:txBody>
+                    <a:bodyPr/>
+                    <a:lstStyle/>
+                    <a:p>
+                      <a:pPr marL="0" marR="0">
+                        <a:lnSpc>
+                          <a:spcPct val="200000"/>
+                        </a:lnSpc>
+                        <a:spcBef>
+                          <a:spcPts val="0"/>
+                        </a:spcBef>
+                        <a:spcAft>
+                          <a:spcPts val="0"/>
+                        </a:spcAft>
+                      </a:pPr>
+                      <a:r>
+                        <a:rPr lang="en-US" sz="1600">
+                          <a:effectLst/>
+                          <a:latin typeface="Times" panose="02020603050405020304" pitchFamily="18" charset="0"/>
+                        </a:rPr>
+                        <a:t>Transformer output to rectification</a:t>
+                      </a:r>
+                      <a:endParaRPr lang="en-GB" sz="1400">
+                        <a:effectLst/>
+                        <a:latin typeface="Times" panose="02020603050405020304" pitchFamily="18" charset="0"/>
+                        <a:ea typeface="Calibri" panose="020F0502020204030204" pitchFamily="34" charset="0"/>
+                        <a:cs typeface="Times New Roman" panose="02020603050405020304" pitchFamily="18" charset="0"/>
+                      </a:endParaRPr>
+                    </a:p>
+                  </a:txBody>
+                  <a:tcPr marL="68580" marR="68580" marT="0" marB="0"/>
+                </a:tc>
+                <a:extLst>
+                  <a:ext uri="{0D108BD9-81ED-4DB2-BD59-A6C34878D82A}">
+                    <a16:rowId xmlns:a16="http://schemas.microsoft.com/office/drawing/2014/main" val="2282325627"/>
+                  </a:ext>
+                </a:extLst>
+              </a:tr>
+              <a:tr h="976562">
+                <a:tc>
+                  <a:txBody>
+                    <a:bodyPr/>
+                    <a:lstStyle/>
+                    <a:p>
+                      <a:pPr marL="0" marR="0" algn="just">
+                        <a:lnSpc>
+                          <a:spcPct val="200000"/>
+                        </a:lnSpc>
+                        <a:spcBef>
+                          <a:spcPts val="0"/>
+                        </a:spcBef>
+                        <a:spcAft>
+                          <a:spcPts val="0"/>
+                        </a:spcAft>
+                      </a:pPr>
+                      <a:r>
+                        <a:rPr lang="en-US" sz="1600">
+                          <a:effectLst/>
+                          <a:latin typeface="Times" panose="02020603050405020304" pitchFamily="18" charset="0"/>
+                        </a:rPr>
+                        <a:t>3</a:t>
+                      </a:r>
+                      <a:endParaRPr lang="en-GB" sz="1400">
+                        <a:effectLst/>
+                        <a:latin typeface="Times" panose="02020603050405020304" pitchFamily="18" charset="0"/>
+                        <a:ea typeface="Calibri" panose="020F0502020204030204" pitchFamily="34" charset="0"/>
+                        <a:cs typeface="Times New Roman" panose="02020603050405020304" pitchFamily="18" charset="0"/>
+                      </a:endParaRPr>
+                    </a:p>
+                  </a:txBody>
+                  <a:tcPr marL="68580" marR="68580" marT="0" marB="0"/>
+                </a:tc>
+                <a:tc>
+                  <a:txBody>
+                    <a:bodyPr/>
+                    <a:lstStyle/>
+                    <a:p>
+                      <a:pPr marL="0" marR="0" algn="just">
+                        <a:lnSpc>
+                          <a:spcPct val="200000"/>
+                        </a:lnSpc>
+                        <a:spcBef>
+                          <a:spcPts val="0"/>
+                        </a:spcBef>
+                        <a:spcAft>
+                          <a:spcPts val="0"/>
+                        </a:spcAft>
+                      </a:pPr>
+                      <a:r>
+                        <a:rPr lang="en-US" sz="1600">
+                          <a:effectLst/>
+                          <a:latin typeface="Times" panose="02020603050405020304" pitchFamily="18" charset="0"/>
+                        </a:rPr>
+                        <a:t>Rectifier output</a:t>
+                      </a:r>
+                      <a:endParaRPr lang="en-GB" sz="1400">
+                        <a:effectLst/>
+                        <a:latin typeface="Times" panose="02020603050405020304" pitchFamily="18" charset="0"/>
+                        <a:ea typeface="Calibri" panose="020F0502020204030204" pitchFamily="34" charset="0"/>
+                        <a:cs typeface="Times New Roman" panose="02020603050405020304" pitchFamily="18" charset="0"/>
+                      </a:endParaRPr>
+                    </a:p>
+                  </a:txBody>
+                  <a:tcPr marL="68580" marR="68580" marT="0" marB="0"/>
+                </a:tc>
+                <a:tc>
+                  <a:txBody>
+                    <a:bodyPr/>
+                    <a:lstStyle/>
+                    <a:p>
+                      <a:pPr marL="0" marR="0" algn="just">
+                        <a:lnSpc>
+                          <a:spcPct val="200000"/>
+                        </a:lnSpc>
+                        <a:spcBef>
+                          <a:spcPts val="0"/>
+                        </a:spcBef>
+                        <a:spcAft>
+                          <a:spcPts val="0"/>
+                        </a:spcAft>
+                      </a:pPr>
+                      <a:r>
+                        <a:rPr lang="en-US" sz="1600">
+                          <a:effectLst/>
+                          <a:latin typeface="Times" panose="02020603050405020304" pitchFamily="18" charset="0"/>
+                        </a:rPr>
+                        <a:t>22volt D.C.</a:t>
+                      </a:r>
+                      <a:endParaRPr lang="en-GB" sz="1400">
+                        <a:effectLst/>
+                        <a:latin typeface="Times" panose="02020603050405020304" pitchFamily="18" charset="0"/>
+                        <a:ea typeface="Calibri" panose="020F0502020204030204" pitchFamily="34" charset="0"/>
+                        <a:cs typeface="Times New Roman" panose="02020603050405020304" pitchFamily="18" charset="0"/>
+                      </a:endParaRPr>
+                    </a:p>
+                  </a:txBody>
+                  <a:tcPr marL="68580" marR="68580" marT="0" marB="0"/>
+                </a:tc>
+                <a:tc>
+                  <a:txBody>
+                    <a:bodyPr/>
+                    <a:lstStyle/>
+                    <a:p>
+                      <a:pPr marL="0" marR="0">
+                        <a:lnSpc>
+                          <a:spcPct val="200000"/>
+                        </a:lnSpc>
+                        <a:spcBef>
+                          <a:spcPts val="0"/>
+                        </a:spcBef>
+                        <a:spcAft>
+                          <a:spcPts val="0"/>
+                        </a:spcAft>
+                      </a:pPr>
+                      <a:r>
+                        <a:rPr lang="en-US" sz="1600">
+                          <a:effectLst/>
+                          <a:latin typeface="Times" panose="02020603050405020304" pitchFamily="18" charset="0"/>
+                        </a:rPr>
+                        <a:t>Rectification output to the terminal of capacitor C1</a:t>
+                      </a:r>
+                      <a:endParaRPr lang="en-GB" sz="1400">
+                        <a:effectLst/>
+                        <a:latin typeface="Times" panose="02020603050405020304" pitchFamily="18" charset="0"/>
+                        <a:ea typeface="Calibri" panose="020F0502020204030204" pitchFamily="34" charset="0"/>
+                        <a:cs typeface="Times New Roman" panose="02020603050405020304" pitchFamily="18" charset="0"/>
+                      </a:endParaRPr>
+                    </a:p>
+                  </a:txBody>
+                  <a:tcPr marL="68580" marR="68580" marT="0" marB="0"/>
+                </a:tc>
+                <a:extLst>
+                  <a:ext uri="{0D108BD9-81ED-4DB2-BD59-A6C34878D82A}">
+                    <a16:rowId xmlns:a16="http://schemas.microsoft.com/office/drawing/2014/main" val="685250353"/>
+                  </a:ext>
+                </a:extLst>
+              </a:tr>
+              <a:tr h="976562">
+                <a:tc>
+                  <a:txBody>
+                    <a:bodyPr/>
+                    <a:lstStyle/>
+                    <a:p>
+                      <a:pPr marL="0" marR="0" algn="just">
+                        <a:lnSpc>
+                          <a:spcPct val="200000"/>
+                        </a:lnSpc>
+                        <a:spcBef>
+                          <a:spcPts val="0"/>
+                        </a:spcBef>
+                        <a:spcAft>
+                          <a:spcPts val="0"/>
+                        </a:spcAft>
+                      </a:pPr>
+                      <a:r>
+                        <a:rPr lang="en-US" sz="1600">
+                          <a:effectLst/>
+                          <a:latin typeface="Times" panose="02020603050405020304" pitchFamily="18" charset="0"/>
+                        </a:rPr>
+                        <a:t>4</a:t>
+                      </a:r>
+                      <a:endParaRPr lang="en-GB" sz="1400">
+                        <a:effectLst/>
+                        <a:latin typeface="Times" panose="02020603050405020304" pitchFamily="18" charset="0"/>
+                        <a:ea typeface="Calibri" panose="020F0502020204030204" pitchFamily="34" charset="0"/>
+                        <a:cs typeface="Times New Roman" panose="02020603050405020304" pitchFamily="18" charset="0"/>
+                      </a:endParaRPr>
+                    </a:p>
+                  </a:txBody>
+                  <a:tcPr marL="68580" marR="68580" marT="0" marB="0"/>
+                </a:tc>
+                <a:tc>
+                  <a:txBody>
+                    <a:bodyPr/>
+                    <a:lstStyle/>
+                    <a:p>
+                      <a:pPr marL="0" marR="0" algn="just">
+                        <a:lnSpc>
+                          <a:spcPct val="200000"/>
+                        </a:lnSpc>
+                        <a:spcBef>
+                          <a:spcPts val="0"/>
+                        </a:spcBef>
+                        <a:spcAft>
+                          <a:spcPts val="0"/>
+                        </a:spcAft>
+                      </a:pPr>
+                      <a:r>
+                        <a:rPr lang="en-US" sz="1600">
+                          <a:effectLst/>
+                          <a:latin typeface="Times" panose="02020603050405020304" pitchFamily="18" charset="0"/>
+                        </a:rPr>
+                        <a:t>Variable D.C. voltage 1 to 40 </a:t>
+                      </a:r>
+                      <a:endParaRPr lang="en-GB" sz="1400">
+                        <a:effectLst/>
+                        <a:latin typeface="Times" panose="02020603050405020304" pitchFamily="18" charset="0"/>
+                        <a:ea typeface="Calibri" panose="020F0502020204030204" pitchFamily="34" charset="0"/>
+                        <a:cs typeface="Times New Roman" panose="02020603050405020304" pitchFamily="18" charset="0"/>
+                      </a:endParaRPr>
+                    </a:p>
+                  </a:txBody>
+                  <a:tcPr marL="68580" marR="68580" marT="0" marB="0"/>
+                </a:tc>
+                <a:tc>
+                  <a:txBody>
+                    <a:bodyPr/>
+                    <a:lstStyle/>
+                    <a:p>
+                      <a:pPr marL="0" marR="0" algn="just">
+                        <a:lnSpc>
+                          <a:spcPct val="200000"/>
+                        </a:lnSpc>
+                        <a:spcBef>
+                          <a:spcPts val="0"/>
+                        </a:spcBef>
+                        <a:spcAft>
+                          <a:spcPts val="0"/>
+                        </a:spcAft>
+                      </a:pPr>
+                      <a:r>
+                        <a:rPr lang="en-US" sz="1600">
+                          <a:effectLst/>
+                          <a:latin typeface="Times" panose="02020603050405020304" pitchFamily="18" charset="0"/>
+                        </a:rPr>
+                        <a:t>1 to 42</a:t>
+                      </a:r>
+                      <a:endParaRPr lang="en-GB" sz="1400">
+                        <a:effectLst/>
+                        <a:latin typeface="Times" panose="02020603050405020304" pitchFamily="18" charset="0"/>
+                        <a:ea typeface="Calibri" panose="020F0502020204030204" pitchFamily="34" charset="0"/>
+                        <a:cs typeface="Times New Roman" panose="02020603050405020304" pitchFamily="18" charset="0"/>
+                      </a:endParaRPr>
+                    </a:p>
+                  </a:txBody>
+                  <a:tcPr marL="68580" marR="68580" marT="0" marB="0"/>
+                </a:tc>
+                <a:tc>
+                  <a:txBody>
+                    <a:bodyPr/>
+                    <a:lstStyle/>
+                    <a:p>
+                      <a:pPr marL="0" marR="0">
+                        <a:lnSpc>
+                          <a:spcPct val="200000"/>
+                        </a:lnSpc>
+                        <a:spcBef>
+                          <a:spcPts val="0"/>
+                        </a:spcBef>
+                        <a:spcAft>
+                          <a:spcPts val="0"/>
+                        </a:spcAft>
+                      </a:pPr>
+                      <a:r>
+                        <a:rPr lang="en-US" sz="1600">
+                          <a:effectLst/>
+                          <a:latin typeface="Times" panose="02020603050405020304" pitchFamily="18" charset="0"/>
+                        </a:rPr>
+                        <a:t>D.C. variable at the output terminal</a:t>
+                      </a:r>
+                      <a:endParaRPr lang="en-GB" sz="1400">
+                        <a:effectLst/>
+                        <a:latin typeface="Times" panose="02020603050405020304" pitchFamily="18" charset="0"/>
+                        <a:ea typeface="Calibri" panose="020F0502020204030204" pitchFamily="34" charset="0"/>
+                        <a:cs typeface="Times New Roman" panose="02020603050405020304" pitchFamily="18" charset="0"/>
+                      </a:endParaRPr>
+                    </a:p>
+                  </a:txBody>
+                  <a:tcPr marL="68580" marR="68580" marT="0" marB="0"/>
+                </a:tc>
+                <a:extLst>
+                  <a:ext uri="{0D108BD9-81ED-4DB2-BD59-A6C34878D82A}">
+                    <a16:rowId xmlns:a16="http://schemas.microsoft.com/office/drawing/2014/main" val="226853483"/>
+                  </a:ext>
+                </a:extLst>
+              </a:tr>
+              <a:tr h="451548">
+                <a:tc>
+                  <a:txBody>
+                    <a:bodyPr/>
+                    <a:lstStyle/>
+                    <a:p>
+                      <a:pPr marL="0" marR="0" algn="just">
+                        <a:lnSpc>
+                          <a:spcPct val="200000"/>
+                        </a:lnSpc>
+                        <a:spcBef>
+                          <a:spcPts val="0"/>
+                        </a:spcBef>
+                        <a:spcAft>
+                          <a:spcPts val="0"/>
+                        </a:spcAft>
+                      </a:pPr>
+                      <a:r>
+                        <a:rPr lang="en-US" sz="1600">
+                          <a:effectLst/>
+                          <a:latin typeface="Times" panose="02020603050405020304" pitchFamily="18" charset="0"/>
+                        </a:rPr>
+                        <a:t>5</a:t>
+                      </a:r>
+                      <a:endParaRPr lang="en-GB" sz="1400">
+                        <a:effectLst/>
+                        <a:latin typeface="Times" panose="02020603050405020304" pitchFamily="18" charset="0"/>
+                        <a:ea typeface="Calibri" panose="020F0502020204030204" pitchFamily="34" charset="0"/>
+                        <a:cs typeface="Times New Roman" panose="02020603050405020304" pitchFamily="18" charset="0"/>
+                      </a:endParaRPr>
+                    </a:p>
+                  </a:txBody>
+                  <a:tcPr marL="68580" marR="68580" marT="0" marB="0"/>
+                </a:tc>
+                <a:tc>
+                  <a:txBody>
+                    <a:bodyPr/>
+                    <a:lstStyle/>
+                    <a:p>
+                      <a:pPr marL="0" marR="0" algn="just">
+                        <a:lnSpc>
+                          <a:spcPct val="200000"/>
+                        </a:lnSpc>
+                        <a:spcBef>
+                          <a:spcPts val="0"/>
+                        </a:spcBef>
+                        <a:spcAft>
+                          <a:spcPts val="0"/>
+                        </a:spcAft>
+                      </a:pPr>
+                      <a:r>
+                        <a:rPr lang="en-US" sz="1600">
+                          <a:effectLst/>
+                          <a:latin typeface="Times" panose="02020603050405020304" pitchFamily="18" charset="0"/>
+                        </a:rPr>
+                        <a:t>Vout Max</a:t>
+                      </a:r>
+                      <a:endParaRPr lang="en-GB" sz="1400">
+                        <a:effectLst/>
+                        <a:latin typeface="Times" panose="02020603050405020304" pitchFamily="18" charset="0"/>
+                        <a:ea typeface="Calibri" panose="020F0502020204030204" pitchFamily="34" charset="0"/>
+                        <a:cs typeface="Times New Roman" panose="02020603050405020304" pitchFamily="18" charset="0"/>
+                      </a:endParaRPr>
+                    </a:p>
+                  </a:txBody>
+                  <a:tcPr marL="68580" marR="68580" marT="0" marB="0"/>
+                </a:tc>
+                <a:tc>
+                  <a:txBody>
+                    <a:bodyPr/>
+                    <a:lstStyle/>
+                    <a:p>
+                      <a:pPr marL="0" marR="0" algn="just">
+                        <a:lnSpc>
+                          <a:spcPct val="200000"/>
+                        </a:lnSpc>
+                        <a:spcBef>
+                          <a:spcPts val="0"/>
+                        </a:spcBef>
+                        <a:spcAft>
+                          <a:spcPts val="0"/>
+                        </a:spcAft>
+                      </a:pPr>
+                      <a:r>
+                        <a:rPr lang="en-US" sz="1600">
+                          <a:effectLst/>
+                          <a:latin typeface="Times" panose="02020603050405020304" pitchFamily="18" charset="0"/>
+                        </a:rPr>
+                        <a:t>40.25</a:t>
+                      </a:r>
+                      <a:endParaRPr lang="en-GB" sz="1400">
+                        <a:effectLst/>
+                        <a:latin typeface="Times" panose="02020603050405020304" pitchFamily="18" charset="0"/>
+                        <a:ea typeface="Calibri" panose="020F0502020204030204" pitchFamily="34" charset="0"/>
+                        <a:cs typeface="Times New Roman" panose="02020603050405020304" pitchFamily="18" charset="0"/>
+                      </a:endParaRPr>
+                    </a:p>
+                  </a:txBody>
+                  <a:tcPr marL="68580" marR="68580" marT="0" marB="0"/>
+                </a:tc>
+                <a:tc>
+                  <a:txBody>
+                    <a:bodyPr/>
+                    <a:lstStyle/>
+                    <a:p>
+                      <a:pPr marL="0" marR="0">
+                        <a:lnSpc>
+                          <a:spcPct val="200000"/>
+                        </a:lnSpc>
+                        <a:spcBef>
+                          <a:spcPts val="0"/>
+                        </a:spcBef>
+                        <a:spcAft>
+                          <a:spcPts val="0"/>
+                        </a:spcAft>
+                      </a:pPr>
+                      <a:r>
+                        <a:rPr lang="en-US" sz="1600">
+                          <a:effectLst/>
+                          <a:latin typeface="Times" panose="02020603050405020304" pitchFamily="18" charset="0"/>
+                        </a:rPr>
+                        <a:t>At the output terminal</a:t>
+                      </a:r>
+                      <a:endParaRPr lang="en-GB" sz="1400">
+                        <a:effectLst/>
+                        <a:latin typeface="Times" panose="02020603050405020304" pitchFamily="18" charset="0"/>
+                        <a:ea typeface="Calibri" panose="020F0502020204030204" pitchFamily="34" charset="0"/>
+                        <a:cs typeface="Times New Roman" panose="02020603050405020304" pitchFamily="18" charset="0"/>
+                      </a:endParaRPr>
+                    </a:p>
+                  </a:txBody>
+                  <a:tcPr marL="68580" marR="68580" marT="0" marB="0"/>
+                </a:tc>
+                <a:extLst>
+                  <a:ext uri="{0D108BD9-81ED-4DB2-BD59-A6C34878D82A}">
+                    <a16:rowId xmlns:a16="http://schemas.microsoft.com/office/drawing/2014/main" val="4148244816"/>
+                  </a:ext>
+                </a:extLst>
+              </a:tr>
+              <a:tr h="451548">
+                <a:tc>
+                  <a:txBody>
+                    <a:bodyPr/>
+                    <a:lstStyle/>
+                    <a:p>
+                      <a:pPr marL="0" marR="0" algn="just">
+                        <a:lnSpc>
+                          <a:spcPct val="200000"/>
+                        </a:lnSpc>
+                        <a:spcBef>
+                          <a:spcPts val="0"/>
+                        </a:spcBef>
+                        <a:spcAft>
+                          <a:spcPts val="0"/>
+                        </a:spcAft>
+                      </a:pPr>
+                      <a:r>
+                        <a:rPr lang="en-US" sz="1600">
+                          <a:effectLst/>
+                          <a:latin typeface="Times" panose="02020603050405020304" pitchFamily="18" charset="0"/>
+                        </a:rPr>
+                        <a:t>6</a:t>
+                      </a:r>
+                      <a:endParaRPr lang="en-GB" sz="1400">
+                        <a:effectLst/>
+                        <a:latin typeface="Times" panose="02020603050405020304" pitchFamily="18" charset="0"/>
+                        <a:ea typeface="Calibri" panose="020F0502020204030204" pitchFamily="34" charset="0"/>
+                        <a:cs typeface="Times New Roman" panose="02020603050405020304" pitchFamily="18" charset="0"/>
+                      </a:endParaRPr>
+                    </a:p>
+                  </a:txBody>
+                  <a:tcPr marL="68580" marR="68580" marT="0" marB="0"/>
+                </a:tc>
+                <a:tc>
+                  <a:txBody>
+                    <a:bodyPr/>
+                    <a:lstStyle/>
+                    <a:p>
+                      <a:pPr marL="0" marR="0" algn="just">
+                        <a:lnSpc>
+                          <a:spcPct val="200000"/>
+                        </a:lnSpc>
+                        <a:spcBef>
+                          <a:spcPts val="0"/>
+                        </a:spcBef>
+                        <a:spcAft>
+                          <a:spcPts val="0"/>
+                        </a:spcAft>
+                      </a:pPr>
+                      <a:r>
+                        <a:rPr lang="en-US" sz="1600">
+                          <a:effectLst/>
+                          <a:latin typeface="Times" panose="02020603050405020304" pitchFamily="18" charset="0"/>
+                        </a:rPr>
+                        <a:t>Vout Min</a:t>
+                      </a:r>
+                      <a:endParaRPr lang="en-GB" sz="1400">
+                        <a:effectLst/>
+                        <a:latin typeface="Times" panose="02020603050405020304" pitchFamily="18" charset="0"/>
+                        <a:ea typeface="Calibri" panose="020F0502020204030204" pitchFamily="34" charset="0"/>
+                        <a:cs typeface="Times New Roman" panose="02020603050405020304" pitchFamily="18" charset="0"/>
+                      </a:endParaRPr>
+                    </a:p>
+                  </a:txBody>
+                  <a:tcPr marL="68580" marR="68580" marT="0" marB="0"/>
+                </a:tc>
+                <a:tc>
+                  <a:txBody>
+                    <a:bodyPr/>
+                    <a:lstStyle/>
+                    <a:p>
+                      <a:pPr marL="0" marR="0" algn="just">
+                        <a:lnSpc>
+                          <a:spcPct val="200000"/>
+                        </a:lnSpc>
+                        <a:spcBef>
+                          <a:spcPts val="0"/>
+                        </a:spcBef>
+                        <a:spcAft>
+                          <a:spcPts val="0"/>
+                        </a:spcAft>
+                      </a:pPr>
+                      <a:r>
+                        <a:rPr lang="en-US" sz="1600">
+                          <a:effectLst/>
+                          <a:latin typeface="Times" panose="02020603050405020304" pitchFamily="18" charset="0"/>
+                        </a:rPr>
+                        <a:t>1</a:t>
+                      </a:r>
+                      <a:endParaRPr lang="en-GB" sz="1400">
+                        <a:effectLst/>
+                        <a:latin typeface="Times" panose="02020603050405020304" pitchFamily="18" charset="0"/>
+                        <a:ea typeface="Calibri" panose="020F0502020204030204" pitchFamily="34" charset="0"/>
+                        <a:cs typeface="Times New Roman" panose="02020603050405020304" pitchFamily="18" charset="0"/>
+                      </a:endParaRPr>
+                    </a:p>
+                  </a:txBody>
+                  <a:tcPr marL="68580" marR="68580" marT="0" marB="0"/>
+                </a:tc>
+                <a:tc>
+                  <a:txBody>
+                    <a:bodyPr/>
+                    <a:lstStyle/>
+                    <a:p>
+                      <a:pPr marL="0" marR="0">
+                        <a:lnSpc>
+                          <a:spcPct val="200000"/>
+                        </a:lnSpc>
+                        <a:spcBef>
+                          <a:spcPts val="0"/>
+                        </a:spcBef>
+                        <a:spcAft>
+                          <a:spcPts val="0"/>
+                        </a:spcAft>
+                      </a:pPr>
+                      <a:r>
+                        <a:rPr lang="en-US" sz="1600" dirty="0">
+                          <a:effectLst/>
+                          <a:latin typeface="Times" panose="02020603050405020304" pitchFamily="18" charset="0"/>
+                        </a:rPr>
+                        <a:t>At the output terminal</a:t>
+                      </a:r>
+                      <a:endParaRPr lang="en-GB" sz="1400" dirty="0">
+                        <a:effectLst/>
+                        <a:latin typeface="Times" panose="02020603050405020304" pitchFamily="18" charset="0"/>
+                        <a:ea typeface="Calibri" panose="020F0502020204030204" pitchFamily="34" charset="0"/>
+                        <a:cs typeface="Times New Roman" panose="02020603050405020304" pitchFamily="18" charset="0"/>
+                      </a:endParaRPr>
+                    </a:p>
+                  </a:txBody>
+                  <a:tcPr marL="68580" marR="68580" marT="0" marB="0"/>
+                </a:tc>
+                <a:extLst>
+                  <a:ext uri="{0D108BD9-81ED-4DB2-BD59-A6C34878D82A}">
+                    <a16:rowId xmlns:a16="http://schemas.microsoft.com/office/drawing/2014/main" val="2612013955"/>
+                  </a:ext>
+                </a:extLst>
+              </a:tr>
+            </a:tbl>
+          </a:graphicData>
+        </a:graphic>
+      </p:graphicFrame>
+      <p:sp>
+        <p:nvSpPr>
+          <p:cNvPr id="6" name="Rectangle 1">
+            <a:extLst>
+              <a:ext uri="{FF2B5EF4-FFF2-40B4-BE49-F238E27FC236}">
+                <a16:creationId xmlns:a16="http://schemas.microsoft.com/office/drawing/2014/main" id="{F151FC36-CD8A-4242-A8A9-655C43647AA6}"/>
+              </a:ext>
+            </a:extLst>
+          </p:cNvPr>
+          <p:cNvSpPr>
+            <a:spLocks noChangeArrowheads="1"/>
+          </p:cNvSpPr>
+          <p:nvPr/>
+        </p:nvSpPr>
+        <p:spPr bwMode="auto">
+          <a:xfrm>
+            <a:off x="1225771" y="1058304"/>
+            <a:ext cx="5910592" cy="369332"/>
+          </a:xfrm>
+          <a:prstGeom prst="rect">
+            <a:avLst/>
+          </a:prstGeom>
+          <a:noFill/>
+          <a:ln>
+            <a:noFill/>
+          </a:ln>
+          <a:effectLst/>
+          <a:extLst>
+            <a:ext uri="{909E8E84-426E-40DD-AFC4-6F175D3DCCD1}">
+              <a14:hiddenFill xmlns:a14="http://schemas.microsoft.com/office/drawing/2010/main">
+                <a:solidFill>
+                  <a:schemeClr val="accent1"/>
+                </a:solidFill>
+              </a14:hiddenFill>
+            </a:ext>
+            <a:ext uri="{91240B29-F687-4F45-9708-019B960494DF}">
+              <a14:hiddenLine xmlns:a14="http://schemas.microsoft.com/office/drawing/2010/main" w="9525">
+                <a:solidFill>
+                  <a:schemeClr val="tx1"/>
+                </a:solidFill>
+                <a:miter lim="800000"/>
+                <a:headEnd/>
+                <a:tailEnd/>
+              </a14:hiddenLine>
+            </a:ext>
+            <a:ext uri="{AF507438-7753-43E0-B8FC-AC1667EBCBE1}">
+              <a14:hiddenEffects xmlns:a14="http://schemas.microsoft.com/office/drawing/2010/main">
+                <a:effectLst>
+                  <a:outerShdw dist="35921" dir="2700000" algn="ctr" rotWithShape="0">
+                    <a:schemeClr val="bg2"/>
+                  </a:outerShdw>
+                </a:effectLst>
+              </a14:hiddenEffects>
+            </a:ext>
+          </a:extLst>
+        </p:spPr>
+        <p:txBody>
+          <a:bodyPr vert="horz" wrap="none" lIns="91440" tIns="45720" rIns="91440" bIns="45720" numCol="1" anchor="ctr" anchorCtr="0" compatLnSpc="1">
+            <a:prstTxWarp prst="textNoShape">
+              <a:avLst/>
+            </a:prstTxWarp>
+            <a:spAutoFit/>
+          </a:bodyPr>
+          <a:lstStyle/>
+          <a:p>
+            <a:pPr marL="0" marR="0" lvl="0" indent="0" algn="l" defTabSz="914400" rtl="0" eaLnBrk="0" fontAlgn="base" latinLnBrk="0" hangingPunct="0">
+              <a:lnSpc>
+                <a:spcPct val="100000"/>
+              </a:lnSpc>
+              <a:spcBef>
+                <a:spcPct val="0"/>
+              </a:spcBef>
+              <a:spcAft>
+                <a:spcPct val="0"/>
+              </a:spcAft>
+              <a:buClrTx/>
+              <a:buSzTx/>
+              <a:buFontTx/>
+              <a:buNone/>
+              <a:tabLst/>
+            </a:pPr>
+            <a:r>
+              <a:rPr kumimoji="0" lang="en-US" altLang="en-US" b="0" i="0" u="none" strike="noStrike" cap="none" normalizeH="0" baseline="0" dirty="0">
+                <a:ln>
+                  <a:noFill/>
+                </a:ln>
+                <a:solidFill>
+                  <a:srgbClr val="0D0D0D"/>
+                </a:solidFill>
+                <a:effectLst/>
                 <a:latin typeface="Times New Roman" panose="02020603050405020304" pitchFamily="18" charset="0"/>
+                <a:ea typeface="Calibri" panose="020F0502020204030204" pitchFamily="34" charset="0"/>
                 <a:cs typeface="Times New Roman" panose="02020603050405020304" pitchFamily="18" charset="0"/>
               </a:rPr>
-              <a:t>Paul, S. &amp; Simon, M. (2001). Practical Electronics for inventors </a:t>
-            </a:r>
-            <a:endParaRPr lang="en-GB" dirty="0">
+              <a:t>The result obtained during the test is stated at the table below:</a:t>
+            </a:r>
+            <a:endParaRPr kumimoji="0" lang="en-GB" altLang="en-US" sz="1600" b="0" i="0" u="none" strike="noStrike" cap="none" normalizeH="0" baseline="0" dirty="0">
+              <a:ln>
+                <a:noFill/>
+              </a:ln>
               <a:solidFill>
-                <a:schemeClr val="tx1">
-                  <a:lumMod val="95000"/>
-                  <a:lumOff val="5000"/>
-                </a:schemeClr>
+                <a:schemeClr val="tx1"/>
               </a:solidFill>
-              <a:latin typeface="Times New Roman" panose="02020603050405020304" pitchFamily="18" charset="0"/>
-              <a:cs typeface="Times New Roman" panose="02020603050405020304" pitchFamily="18" charset="0"/>
-            </a:endParaRPr>
-          </a:p>
-          <a:p>
-            <a:pPr marL="463550" indent="-354013"/>
-            <a:r>
-              <a:rPr lang="en-US" dirty="0">
-                <a:solidFill>
-                  <a:schemeClr val="tx1">
-                    <a:lumMod val="95000"/>
-                    <a:lumOff val="5000"/>
-                  </a:schemeClr>
-                </a:solidFill>
-                <a:latin typeface="Times New Roman" panose="02020603050405020304" pitchFamily="18" charset="0"/>
-                <a:cs typeface="Times New Roman" panose="02020603050405020304" pitchFamily="18" charset="0"/>
-              </a:rPr>
-              <a:t>Robert, L. &amp; Louis, N. (2004). </a:t>
-            </a:r>
-            <a:r>
-              <a:rPr lang="en-US" i="1" dirty="0">
-                <a:solidFill>
-                  <a:schemeClr val="tx1">
-                    <a:lumMod val="95000"/>
-                    <a:lumOff val="5000"/>
-                  </a:schemeClr>
-                </a:solidFill>
-                <a:latin typeface="Times New Roman" panose="02020603050405020304" pitchFamily="18" charset="0"/>
-                <a:cs typeface="Times New Roman" panose="02020603050405020304" pitchFamily="18" charset="0"/>
-              </a:rPr>
-              <a:t>Electronic Device and Circuit Theory</a:t>
-            </a:r>
-            <a:r>
-              <a:rPr lang="en-US" dirty="0">
-                <a:solidFill>
-                  <a:schemeClr val="tx1">
-                    <a:lumMod val="95000"/>
-                    <a:lumOff val="5000"/>
-                  </a:schemeClr>
-                </a:solidFill>
-                <a:latin typeface="Times New Roman" panose="02020603050405020304" pitchFamily="18" charset="0"/>
-                <a:cs typeface="Times New Roman" panose="02020603050405020304" pitchFamily="18" charset="0"/>
-              </a:rPr>
-              <a:t>. Eight Edition, Prentice Hall of India Private Limited, New-Delhi </a:t>
-            </a:r>
-            <a:endParaRPr lang="en-GB" dirty="0">
-              <a:solidFill>
-                <a:schemeClr val="tx1">
-                  <a:lumMod val="95000"/>
-                  <a:lumOff val="5000"/>
-                </a:schemeClr>
-              </a:solidFill>
-              <a:latin typeface="Times New Roman" panose="02020603050405020304" pitchFamily="18" charset="0"/>
-              <a:cs typeface="Times New Roman" panose="02020603050405020304" pitchFamily="18" charset="0"/>
-            </a:endParaRPr>
-          </a:p>
-          <a:p>
-            <a:pPr marL="463550" indent="-354013"/>
-            <a:r>
-              <a:rPr lang="en-US" dirty="0">
-                <a:solidFill>
-                  <a:schemeClr val="tx1">
-                    <a:lumMod val="95000"/>
-                    <a:lumOff val="5000"/>
-                  </a:schemeClr>
-                </a:solidFill>
-                <a:latin typeface="Times New Roman" panose="02020603050405020304" pitchFamily="18" charset="0"/>
-                <a:cs typeface="Times New Roman" panose="02020603050405020304" pitchFamily="18" charset="0"/>
-              </a:rPr>
-              <a:t>Study, M. (20014). </a:t>
-            </a:r>
-            <a:r>
-              <a:rPr lang="en-US" i="1" dirty="0">
-                <a:solidFill>
-                  <a:schemeClr val="tx1">
-                    <a:lumMod val="95000"/>
-                    <a:lumOff val="5000"/>
-                  </a:schemeClr>
-                </a:solidFill>
-                <a:latin typeface="Times New Roman" panose="02020603050405020304" pitchFamily="18" charset="0"/>
-                <a:cs typeface="Times New Roman" panose="02020603050405020304" pitchFamily="18" charset="0"/>
-              </a:rPr>
-              <a:t>Design of a 0 to 30v regulated </a:t>
-            </a:r>
-            <a:r>
-              <a:rPr lang="en-US" i="1" cap="all" dirty="0" err="1">
-                <a:solidFill>
-                  <a:schemeClr val="tx1">
-                    <a:lumMod val="95000"/>
-                    <a:lumOff val="5000"/>
-                  </a:schemeClr>
-                </a:solidFill>
-                <a:latin typeface="Times New Roman" panose="02020603050405020304" pitchFamily="18" charset="0"/>
-                <a:cs typeface="Times New Roman" panose="02020603050405020304" pitchFamily="18" charset="0"/>
-              </a:rPr>
-              <a:t>d.c</a:t>
-            </a:r>
-            <a:r>
-              <a:rPr lang="en-US" i="1" dirty="0">
-                <a:solidFill>
-                  <a:schemeClr val="tx1">
-                    <a:lumMod val="95000"/>
-                    <a:lumOff val="5000"/>
-                  </a:schemeClr>
-                </a:solidFill>
-                <a:latin typeface="Times New Roman" panose="02020603050405020304" pitchFamily="18" charset="0"/>
-                <a:cs typeface="Times New Roman" panose="02020603050405020304" pitchFamily="18" charset="0"/>
-              </a:rPr>
-              <a:t> power supply</a:t>
-            </a:r>
-            <a:r>
-              <a:rPr lang="en-US" dirty="0">
-                <a:solidFill>
-                  <a:schemeClr val="tx1">
-                    <a:lumMod val="95000"/>
-                    <a:lumOff val="5000"/>
-                  </a:schemeClr>
-                </a:solidFill>
-                <a:latin typeface="Times New Roman" panose="02020603050405020304" pitchFamily="18" charset="0"/>
-                <a:cs typeface="Times New Roman" panose="02020603050405020304" pitchFamily="18" charset="0"/>
-              </a:rPr>
-              <a:t>. Retrieved March 27th 2017: from http:/www.sturdymafia.org./ps/30_contents.htm </a:t>
-            </a:r>
-            <a:endParaRPr lang="en-GB" dirty="0">
-              <a:solidFill>
-                <a:schemeClr val="tx1">
-                  <a:lumMod val="95000"/>
-                  <a:lumOff val="5000"/>
-                </a:schemeClr>
-              </a:solidFill>
-              <a:latin typeface="Times New Roman" panose="02020603050405020304" pitchFamily="18" charset="0"/>
-              <a:cs typeface="Times New Roman" panose="02020603050405020304" pitchFamily="18" charset="0"/>
-            </a:endParaRPr>
-          </a:p>
-          <a:p>
-            <a:pPr marL="463550" indent="-354013"/>
-            <a:r>
-              <a:rPr lang="en-US" dirty="0" err="1">
-                <a:solidFill>
-                  <a:schemeClr val="tx1">
-                    <a:lumMod val="95000"/>
-                    <a:lumOff val="5000"/>
-                  </a:schemeClr>
-                </a:solidFill>
-                <a:latin typeface="Times New Roman" panose="02020603050405020304" pitchFamily="18" charset="0"/>
-                <a:cs typeface="Times New Roman" panose="02020603050405020304" pitchFamily="18" charset="0"/>
-              </a:rPr>
-              <a:t>Theraja</a:t>
-            </a:r>
-            <a:r>
-              <a:rPr lang="en-US" dirty="0">
-                <a:solidFill>
-                  <a:schemeClr val="tx1">
-                    <a:lumMod val="95000"/>
-                    <a:lumOff val="5000"/>
-                  </a:schemeClr>
-                </a:solidFill>
-                <a:latin typeface="Times New Roman" panose="02020603050405020304" pitchFamily="18" charset="0"/>
-                <a:cs typeface="Times New Roman" panose="02020603050405020304" pitchFamily="18" charset="0"/>
-              </a:rPr>
-              <a:t>, B.L and </a:t>
-            </a:r>
-            <a:r>
-              <a:rPr lang="en-US" dirty="0" err="1">
-                <a:solidFill>
-                  <a:schemeClr val="tx1">
-                    <a:lumMod val="95000"/>
-                    <a:lumOff val="5000"/>
-                  </a:schemeClr>
-                </a:solidFill>
-                <a:latin typeface="Times New Roman" panose="02020603050405020304" pitchFamily="18" charset="0"/>
-                <a:cs typeface="Times New Roman" panose="02020603050405020304" pitchFamily="18" charset="0"/>
-              </a:rPr>
-              <a:t>Theraja</a:t>
-            </a:r>
-            <a:r>
-              <a:rPr lang="en-US" dirty="0">
-                <a:solidFill>
-                  <a:schemeClr val="tx1">
-                    <a:lumMod val="95000"/>
-                    <a:lumOff val="5000"/>
-                  </a:schemeClr>
-                </a:solidFill>
-                <a:latin typeface="Times New Roman" panose="02020603050405020304" pitchFamily="18" charset="0"/>
-                <a:cs typeface="Times New Roman" panose="02020603050405020304" pitchFamily="18" charset="0"/>
-              </a:rPr>
-              <a:t>, A. K. (2002). </a:t>
-            </a:r>
-            <a:r>
-              <a:rPr lang="en-US" i="1" dirty="0">
-                <a:solidFill>
-                  <a:schemeClr val="tx1">
-                    <a:lumMod val="95000"/>
-                    <a:lumOff val="5000"/>
-                  </a:schemeClr>
-                </a:solidFill>
-                <a:latin typeface="Times New Roman" panose="02020603050405020304" pitchFamily="18" charset="0"/>
-                <a:cs typeface="Times New Roman" panose="02020603050405020304" pitchFamily="18" charset="0"/>
-              </a:rPr>
-              <a:t>A Textbook of Electrical Technology</a:t>
-            </a:r>
-            <a:r>
-              <a:rPr lang="en-US" dirty="0">
-                <a:solidFill>
-                  <a:schemeClr val="tx1">
-                    <a:lumMod val="95000"/>
-                    <a:lumOff val="5000"/>
-                  </a:schemeClr>
-                </a:solidFill>
-                <a:latin typeface="Times New Roman" panose="02020603050405020304" pitchFamily="18" charset="0"/>
-                <a:cs typeface="Times New Roman" panose="02020603050405020304" pitchFamily="18" charset="0"/>
-              </a:rPr>
-              <a:t>. 23rd </a:t>
-            </a:r>
-            <a:r>
-              <a:rPr lang="en-US" dirty="0" err="1">
-                <a:solidFill>
-                  <a:schemeClr val="tx1">
-                    <a:lumMod val="95000"/>
-                    <a:lumOff val="5000"/>
-                  </a:schemeClr>
-                </a:solidFill>
-                <a:latin typeface="Times New Roman" panose="02020603050405020304" pitchFamily="18" charset="0"/>
-                <a:cs typeface="Times New Roman" panose="02020603050405020304" pitchFamily="18" charset="0"/>
-              </a:rPr>
-              <a:t>ed.s</a:t>
-            </a:r>
-            <a:r>
-              <a:rPr lang="en-US" dirty="0">
-                <a:solidFill>
-                  <a:schemeClr val="tx1">
-                    <a:lumMod val="95000"/>
-                    <a:lumOff val="5000"/>
-                  </a:schemeClr>
-                </a:solidFill>
-                <a:latin typeface="Times New Roman" panose="02020603050405020304" pitchFamily="18" charset="0"/>
-                <a:cs typeface="Times New Roman" panose="02020603050405020304" pitchFamily="18" charset="0"/>
-              </a:rPr>
-              <a:t>. Chand: New Delhi, India.</a:t>
-            </a:r>
-            <a:endParaRPr lang="en-GB" dirty="0">
-              <a:solidFill>
-                <a:schemeClr val="tx1">
-                  <a:lumMod val="95000"/>
-                  <a:lumOff val="5000"/>
-                </a:schemeClr>
-              </a:solidFill>
-              <a:latin typeface="Times New Roman" panose="02020603050405020304" pitchFamily="18" charset="0"/>
-              <a:cs typeface="Times New Roman" panose="02020603050405020304" pitchFamily="18" charset="0"/>
-            </a:endParaRPr>
-          </a:p>
-          <a:p>
-            <a:pPr marL="463550" indent="-354013"/>
-            <a:r>
-              <a:rPr lang="en-US" dirty="0" err="1">
-                <a:solidFill>
-                  <a:schemeClr val="tx1">
-                    <a:lumMod val="95000"/>
-                    <a:lumOff val="5000"/>
-                  </a:schemeClr>
-                </a:solidFill>
-                <a:latin typeface="Times New Roman" panose="02020603050405020304" pitchFamily="18" charset="0"/>
-                <a:cs typeface="Times New Roman" panose="02020603050405020304" pitchFamily="18" charset="0"/>
-              </a:rPr>
-              <a:t>Wdwuard</a:t>
-            </a:r>
-            <a:r>
-              <a:rPr lang="en-US" dirty="0">
-                <a:solidFill>
-                  <a:schemeClr val="tx1">
-                    <a:lumMod val="95000"/>
-                    <a:lumOff val="5000"/>
-                  </a:schemeClr>
-                </a:solidFill>
-                <a:latin typeface="Times New Roman" panose="02020603050405020304" pitchFamily="18" charset="0"/>
-                <a:cs typeface="Times New Roman" panose="02020603050405020304" pitchFamily="18" charset="0"/>
-              </a:rPr>
-              <a:t>, I. (1995) </a:t>
-            </a:r>
-            <a:r>
-              <a:rPr lang="en-US" i="1" dirty="0">
-                <a:solidFill>
-                  <a:schemeClr val="tx1">
-                    <a:lumMod val="95000"/>
-                    <a:lumOff val="5000"/>
-                  </a:schemeClr>
-                </a:solidFill>
-                <a:latin typeface="Times New Roman" panose="02020603050405020304" pitchFamily="18" charset="0"/>
-                <a:cs typeface="Times New Roman" panose="02020603050405020304" pitchFamily="18" charset="0"/>
-              </a:rPr>
-              <a:t>Electrical technology</a:t>
-            </a:r>
-            <a:r>
-              <a:rPr lang="en-US" dirty="0">
-                <a:solidFill>
-                  <a:schemeClr val="tx1">
-                    <a:lumMod val="95000"/>
-                    <a:lumOff val="5000"/>
-                  </a:schemeClr>
-                </a:solidFill>
-                <a:latin typeface="Times New Roman" panose="02020603050405020304" pitchFamily="18" charset="0"/>
-                <a:cs typeface="Times New Roman" panose="02020603050405020304" pitchFamily="18" charset="0"/>
-              </a:rPr>
-              <a:t> 7</a:t>
-            </a:r>
-            <a:r>
-              <a:rPr lang="en-US" baseline="30000" dirty="0">
-                <a:solidFill>
-                  <a:schemeClr val="tx1">
-                    <a:lumMod val="95000"/>
-                    <a:lumOff val="5000"/>
-                  </a:schemeClr>
-                </a:solidFill>
-                <a:latin typeface="Times New Roman" panose="02020603050405020304" pitchFamily="18" charset="0"/>
-                <a:cs typeface="Times New Roman" panose="02020603050405020304" pitchFamily="18" charset="0"/>
-              </a:rPr>
-              <a:t>th</a:t>
-            </a:r>
-            <a:r>
-              <a:rPr lang="en-US" dirty="0">
-                <a:solidFill>
-                  <a:schemeClr val="tx1">
-                    <a:lumMod val="95000"/>
-                    <a:lumOff val="5000"/>
-                  </a:schemeClr>
-                </a:solidFill>
-                <a:latin typeface="Times New Roman" panose="02020603050405020304" pitchFamily="18" charset="0"/>
-                <a:cs typeface="Times New Roman" panose="02020603050405020304" pitchFamily="18" charset="0"/>
-              </a:rPr>
-              <a:t> edition long man Singapore publisher P.T.O</a:t>
-            </a:r>
-            <a:endParaRPr lang="en-GB" dirty="0">
-              <a:solidFill>
-                <a:schemeClr val="tx1">
-                  <a:lumMod val="95000"/>
-                  <a:lumOff val="5000"/>
-                </a:schemeClr>
-              </a:solidFill>
-              <a:latin typeface="Times New Roman" panose="02020603050405020304" pitchFamily="18" charset="0"/>
-              <a:cs typeface="Times New Roman" panose="02020603050405020304" pitchFamily="18" charset="0"/>
+              <a:effectLst/>
             </a:endParaRPr>
           </a:p>
         </p:txBody>
@@ -5848,7 +6994,7 @@
     </p:spTree>
     <p:extLst>
       <p:ext uri="{BB962C8B-B14F-4D97-AF65-F5344CB8AC3E}">
-        <p14:creationId xmlns:p14="http://schemas.microsoft.com/office/powerpoint/2010/main" val="1831665071"/>
+        <p14:creationId xmlns:p14="http://schemas.microsoft.com/office/powerpoint/2010/main" val="2202411432"/>
       </p:ext>
     </p:extLst>
   </p:cSld>
@@ -5880,10 +7026,10 @@
       </p:grpSpPr>
       <p:sp>
         <p:nvSpPr>
-          <p:cNvPr id="2" name="Title 1">
+          <p:cNvPr id="4" name="Title 1">
             <a:extLst>
               <a:ext uri="{FF2B5EF4-FFF2-40B4-BE49-F238E27FC236}">
-                <a16:creationId xmlns:a16="http://schemas.microsoft.com/office/drawing/2014/main" id="{DFBC01B4-A3ED-4A0D-881B-0DD9716479F5}"/>
+                <a16:creationId xmlns:a16="http://schemas.microsoft.com/office/drawing/2014/main" id="{CE5BCE50-95CA-450B-9891-772C1C5BE8C9}"/>
               </a:ext>
             </a:extLst>
           </p:cNvPr>
@@ -5896,8 +7042,8 @@
         </p:nvSpPr>
         <p:spPr>
           <a:xfrm>
-            <a:off x="838200" y="2344051"/>
-            <a:ext cx="10515600" cy="1325563"/>
+            <a:off x="810904" y="122470"/>
+            <a:ext cx="10972800" cy="860169"/>
           </a:xfrm>
         </p:spPr>
         <p:txBody>
@@ -5908,17 +7054,331 @@
           <a:p>
             <a:pPr algn="ctr"/>
             <a:r>
-              <a:rPr lang="en-US" sz="6000" b="1"/>
-              <a:t>THANK YOU!</a:t>
-            </a:r>
-            <a:endParaRPr lang="en-US" sz="6000" b="1" dirty="0"/>
+              <a:rPr lang="en-US" b="1" dirty="0">
+                <a:solidFill>
+                  <a:schemeClr val="tx1"/>
+                </a:solidFill>
+                <a:latin typeface="Times New Roman" panose="02020603050405020304" pitchFamily="18" charset="0"/>
+                <a:cs typeface="Times New Roman" panose="02020603050405020304" pitchFamily="18" charset="0"/>
+              </a:rPr>
+              <a:t>DISCUSSION</a:t>
+            </a:r>
+            <a:endParaRPr lang="en-GB" dirty="0">
+              <a:solidFill>
+                <a:schemeClr val="tx1"/>
+              </a:solidFill>
+              <a:latin typeface="Times New Roman" panose="02020603050405020304" pitchFamily="18" charset="0"/>
+              <a:cs typeface="Times New Roman" panose="02020603050405020304" pitchFamily="18" charset="0"/>
+            </a:endParaRPr>
+          </a:p>
+        </p:txBody>
+      </p:sp>
+      <p:sp>
+        <p:nvSpPr>
+          <p:cNvPr id="5" name="Content Placeholder 2">
+            <a:extLst>
+              <a:ext uri="{FF2B5EF4-FFF2-40B4-BE49-F238E27FC236}">
+                <a16:creationId xmlns:a16="http://schemas.microsoft.com/office/drawing/2014/main" id="{F00DFD2A-71D9-43F3-8D12-317D61600C73}"/>
+              </a:ext>
+            </a:extLst>
+          </p:cNvPr>
+          <p:cNvSpPr>
+            <a:spLocks noGrp="1"/>
+          </p:cNvSpPr>
+          <p:nvPr>
+            <p:ph idx="1"/>
+          </p:nvPr>
+        </p:nvSpPr>
+        <p:spPr>
+          <a:xfrm>
+            <a:off x="708338" y="982640"/>
+            <a:ext cx="10972800" cy="5295330"/>
+          </a:xfrm>
+          <a:solidFill>
+            <a:schemeClr val="bg1"/>
+          </a:solidFill>
+        </p:spPr>
+        <p:txBody>
+          <a:bodyPr>
+            <a:normAutofit fontScale="85000" lnSpcReduction="20000"/>
+          </a:bodyPr>
+          <a:lstStyle/>
+          <a:p>
+            <a:pPr algn="just">
+              <a:lnSpc>
+                <a:spcPct val="150000"/>
+              </a:lnSpc>
+            </a:pPr>
+            <a:r>
+              <a:rPr lang="en-US" sz="2400" dirty="0">
+                <a:solidFill>
+                  <a:schemeClr val="tx1"/>
+                </a:solidFill>
+                <a:latin typeface="Times" panose="02020603050405020304" pitchFamily="18" charset="0"/>
+              </a:rPr>
+              <a:t>Here I made the implementation of a Digital D.C. variable power and the main working principle of this is a full wave rectification which is done by bridge configuration which has its input from the step-down transformer, the circuit used C1 and C2 in order to have a constant input to the regulator. The main task is to get variable output and for this a pair of voltage divider resistor was used by increasing or decreasing the value of that resistor, the output voltage of the regulator will also change accordingly. The test was carried out t ascertain the working principle and the desired voltage required at the output terminal was achieved from 1 to 40volt D.C.</a:t>
+            </a:r>
+            <a:endParaRPr lang="en-GB" sz="2400" dirty="0">
+              <a:solidFill>
+                <a:schemeClr val="tx1"/>
+              </a:solidFill>
+              <a:latin typeface="Times" panose="02020603050405020304" pitchFamily="18" charset="0"/>
+            </a:endParaRPr>
+          </a:p>
+          <a:p>
+            <a:pPr algn="just">
+              <a:lnSpc>
+                <a:spcPct val="150000"/>
+              </a:lnSpc>
+            </a:pPr>
+            <a:r>
+              <a:rPr lang="en-US" sz="2400" dirty="0">
+                <a:solidFill>
+                  <a:schemeClr val="tx1"/>
+                </a:solidFill>
+                <a:latin typeface="Times" panose="02020603050405020304" pitchFamily="18" charset="0"/>
+              </a:rPr>
+              <a:t>The A.C. main voltage from the public power supply is 220V </a:t>
+            </a:r>
+            <a:r>
+              <a:rPr lang="en-US" sz="2400" dirty="0" err="1">
+                <a:solidFill>
+                  <a:schemeClr val="tx1"/>
+                </a:solidFill>
+                <a:latin typeface="Times" panose="02020603050405020304" pitchFamily="18" charset="0"/>
+              </a:rPr>
+              <a:t>a.c</a:t>
+            </a:r>
+            <a:r>
+              <a:rPr lang="en-US" sz="2400" dirty="0">
+                <a:solidFill>
+                  <a:schemeClr val="tx1"/>
+                </a:solidFill>
+                <a:latin typeface="Times" panose="02020603050405020304" pitchFamily="18" charset="0"/>
+              </a:rPr>
+              <a:t>., the transformer step-down in the table. The function of rectifier is to convert the </a:t>
+            </a:r>
+            <a:r>
+              <a:rPr lang="en-US" sz="2400" dirty="0" err="1">
+                <a:solidFill>
+                  <a:schemeClr val="tx1"/>
+                </a:solidFill>
+                <a:latin typeface="Times" panose="02020603050405020304" pitchFamily="18" charset="0"/>
+              </a:rPr>
+              <a:t>a.c</a:t>
+            </a:r>
+            <a:r>
+              <a:rPr lang="en-US" sz="2400" dirty="0">
+                <a:solidFill>
+                  <a:schemeClr val="tx1"/>
+                </a:solidFill>
+                <a:latin typeface="Times" panose="02020603050405020304" pitchFamily="18" charset="0"/>
+              </a:rPr>
+              <a:t>. conventional </a:t>
+            </a:r>
+            <a:r>
+              <a:rPr lang="en-US" sz="2400" dirty="0" err="1">
+                <a:solidFill>
+                  <a:schemeClr val="tx1"/>
+                </a:solidFill>
+                <a:latin typeface="Times" panose="02020603050405020304" pitchFamily="18" charset="0"/>
+              </a:rPr>
+              <a:t>volatage</a:t>
+            </a:r>
+            <a:r>
+              <a:rPr lang="en-US" sz="2400" dirty="0">
+                <a:solidFill>
+                  <a:schemeClr val="tx1"/>
+                </a:solidFill>
+                <a:latin typeface="Times" panose="02020603050405020304" pitchFamily="18" charset="0"/>
+              </a:rPr>
+              <a:t> a D.C. voltage as shown in the table above. The voltage is applied to the main circuit of LM317 with the combination of </a:t>
+            </a:r>
+            <a:r>
+              <a:rPr lang="en-US" sz="2400" dirty="0" err="1">
+                <a:solidFill>
+                  <a:schemeClr val="tx1"/>
+                </a:solidFill>
+                <a:latin typeface="Times" panose="02020603050405020304" pitchFamily="18" charset="0"/>
+              </a:rPr>
+              <a:t>reistors</a:t>
+            </a:r>
+            <a:r>
+              <a:rPr lang="en-US" sz="2400" dirty="0">
+                <a:solidFill>
+                  <a:schemeClr val="tx1"/>
+                </a:solidFill>
+                <a:latin typeface="Times" panose="02020603050405020304" pitchFamily="18" charset="0"/>
+              </a:rPr>
+              <a:t> both in parallel and in series connection. The voltage can be varied using variable resistor at maximum was obtained 40.25 and </a:t>
+            </a:r>
+            <a:r>
+              <a:rPr lang="en-US" sz="2400" dirty="0" err="1">
+                <a:solidFill>
+                  <a:schemeClr val="tx1"/>
+                </a:solidFill>
+                <a:latin typeface="Times" panose="02020603050405020304" pitchFamily="18" charset="0"/>
+              </a:rPr>
+              <a:t>vout</a:t>
+            </a:r>
+            <a:r>
+              <a:rPr lang="en-US" sz="2400" dirty="0">
+                <a:solidFill>
+                  <a:schemeClr val="tx1"/>
+                </a:solidFill>
+                <a:latin typeface="Times" panose="02020603050405020304" pitchFamily="18" charset="0"/>
+              </a:rPr>
+              <a:t> min 1 at the output terminal.</a:t>
+            </a:r>
+            <a:endParaRPr lang="en-GB" sz="2400" dirty="0">
+              <a:solidFill>
+                <a:schemeClr val="tx1"/>
+              </a:solidFill>
+              <a:latin typeface="Times" panose="02020603050405020304" pitchFamily="18" charset="0"/>
+            </a:endParaRPr>
           </a:p>
         </p:txBody>
       </p:sp>
     </p:spTree>
     <p:extLst>
       <p:ext uri="{BB962C8B-B14F-4D97-AF65-F5344CB8AC3E}">
-        <p14:creationId xmlns:p14="http://schemas.microsoft.com/office/powerpoint/2010/main" val="637252669"/>
+        <p14:creationId xmlns:p14="http://schemas.microsoft.com/office/powerpoint/2010/main" val="3765281012"/>
+      </p:ext>
+    </p:extLst>
+  </p:cSld>
+  <p:clrMapOvr>
+    <a:masterClrMapping/>
+  </p:clrMapOvr>
+  <p:transition spd="slow">
+    <p:push dir="u"/>
+  </p:transition>
+</p:sld>
+</file>
+
+<file path=ppt/slides/slide9.xml><?xml version="1.0" encoding="utf-8"?>
+<p:sld xmlns:a="http://schemas.openxmlformats.org/drawingml/2006/main" xmlns:r="http://schemas.openxmlformats.org/officeDocument/2006/relationships" xmlns:p="http://schemas.openxmlformats.org/presentationml/2006/main">
+  <p:cSld>
+    <p:spTree>
+      <p:nvGrpSpPr>
+        <p:cNvPr id="1" name=""/>
+        <p:cNvGrpSpPr/>
+        <p:nvPr/>
+      </p:nvGrpSpPr>
+      <p:grpSpPr>
+        <a:xfrm>
+          <a:off x="0" y="0"/>
+          <a:ext cx="0" cy="0"/>
+          <a:chOff x="0" y="0"/>
+          <a:chExt cx="0" cy="0"/>
+        </a:xfrm>
+      </p:grpSpPr>
+      <p:sp>
+        <p:nvSpPr>
+          <p:cNvPr id="4" name="Title 1">
+            <a:extLst>
+              <a:ext uri="{FF2B5EF4-FFF2-40B4-BE49-F238E27FC236}">
+                <a16:creationId xmlns:a16="http://schemas.microsoft.com/office/drawing/2014/main" id="{FCCE5E13-2931-4A2A-BF3D-6148BD9E6F04}"/>
+              </a:ext>
+            </a:extLst>
+          </p:cNvPr>
+          <p:cNvSpPr>
+            <a:spLocks noGrp="1"/>
+          </p:cNvSpPr>
+          <p:nvPr>
+            <p:ph type="title"/>
+          </p:nvPr>
+        </p:nvSpPr>
+        <p:spPr>
+          <a:xfrm>
+            <a:off x="810904" y="122470"/>
+            <a:ext cx="10972800" cy="860169"/>
+          </a:xfrm>
+        </p:spPr>
+        <p:txBody>
+          <a:bodyPr>
+            <a:normAutofit/>
+          </a:bodyPr>
+          <a:lstStyle/>
+          <a:p>
+            <a:pPr algn="ctr"/>
+            <a:r>
+              <a:rPr lang="en-US" b="1" dirty="0">
+                <a:solidFill>
+                  <a:schemeClr val="tx1"/>
+                </a:solidFill>
+                <a:latin typeface="Times New Roman" panose="02020603050405020304" pitchFamily="18" charset="0"/>
+                <a:cs typeface="Times New Roman" panose="02020603050405020304" pitchFamily="18" charset="0"/>
+              </a:rPr>
+              <a:t>CONCLUSION</a:t>
+            </a:r>
+            <a:endParaRPr lang="en-GB" dirty="0">
+              <a:solidFill>
+                <a:schemeClr val="tx1"/>
+              </a:solidFill>
+              <a:latin typeface="Times New Roman" panose="02020603050405020304" pitchFamily="18" charset="0"/>
+              <a:cs typeface="Times New Roman" panose="02020603050405020304" pitchFamily="18" charset="0"/>
+            </a:endParaRPr>
+          </a:p>
+        </p:txBody>
+      </p:sp>
+      <p:sp>
+        <p:nvSpPr>
+          <p:cNvPr id="5" name="Content Placeholder 2">
+            <a:extLst>
+              <a:ext uri="{FF2B5EF4-FFF2-40B4-BE49-F238E27FC236}">
+                <a16:creationId xmlns:a16="http://schemas.microsoft.com/office/drawing/2014/main" id="{2C9DA8CA-D895-4459-85B5-550F73F2E127}"/>
+              </a:ext>
+            </a:extLst>
+          </p:cNvPr>
+          <p:cNvSpPr>
+            <a:spLocks noGrp="1"/>
+          </p:cNvSpPr>
+          <p:nvPr>
+            <p:ph idx="1"/>
+          </p:nvPr>
+        </p:nvSpPr>
+        <p:spPr>
+          <a:xfrm>
+            <a:off x="708338" y="982640"/>
+            <a:ext cx="10972800" cy="5295330"/>
+          </a:xfrm>
+          <a:solidFill>
+            <a:schemeClr val="bg1"/>
+          </a:solidFill>
+        </p:spPr>
+        <p:txBody>
+          <a:bodyPr>
+            <a:normAutofit/>
+          </a:bodyPr>
+          <a:lstStyle/>
+          <a:p>
+            <a:pPr algn="just">
+              <a:lnSpc>
+                <a:spcPct val="150000"/>
+              </a:lnSpc>
+            </a:pPr>
+            <a:r>
+              <a:rPr lang="en-US" sz="2800" dirty="0">
+                <a:solidFill>
+                  <a:schemeClr val="tx1"/>
+                </a:solidFill>
+                <a:latin typeface="Times" panose="02020603050405020304" pitchFamily="18" charset="0"/>
+              </a:rPr>
+              <a:t>The aim of the project is to make the student adopt the theories told in class and put them into practical realization for the benefit of mankind. The circuit was implemented and tested; the output voltage as expected was achieved.</a:t>
+            </a:r>
+            <a:endParaRPr lang="en-GB" sz="2800" dirty="0">
+              <a:solidFill>
+                <a:schemeClr val="tx1"/>
+              </a:solidFill>
+              <a:latin typeface="Times" panose="02020603050405020304" pitchFamily="18" charset="0"/>
+            </a:endParaRPr>
+          </a:p>
+        </p:txBody>
+      </p:sp>
+    </p:spTree>
+    <p:extLst>
+      <p:ext uri="{BB962C8B-B14F-4D97-AF65-F5344CB8AC3E}">
+        <p14:creationId xmlns:p14="http://schemas.microsoft.com/office/powerpoint/2010/main" val="588060214"/>
       </p:ext>
     </p:extLst>
   </p:cSld>
